--- a/app/client/public/static/layer-styles/assets/icons/street_furniture/street_furniture.pptx
+++ b/app/client/public/static/layer-styles/assets/icons/street_furniture/street_furniture.pptx
@@ -9,6 +9,7 @@
     <p:sldId id="257" r:id="rId3"/>
     <p:sldId id="258" r:id="rId4"/>
     <p:sldId id="259" r:id="rId5"/>
+    <p:sldId id="260" r:id="rId6"/>
   </p:sldIdLst>
   <p:sldSz cx="1079500" cy="1439863"/>
   <p:notesSz cx="6858000" cy="9144000"/>
@@ -246,7 +247,7 @@
           <a:p>
             <a:fld id="{75175371-B1F5-4745-9553-E74C8A03AD3F}" type="datetimeFigureOut">
               <a:rPr lang="en-US" smtClean="0"/>
-              <a:t>7/17/2021</a:t>
+              <a:t>3/26/2022</a:t>
             </a:fld>
             <a:endParaRPr lang="en-US"/>
           </a:p>
@@ -416,7 +417,7 @@
           <a:p>
             <a:fld id="{75175371-B1F5-4745-9553-E74C8A03AD3F}" type="datetimeFigureOut">
               <a:rPr lang="en-US" smtClean="0"/>
-              <a:t>7/17/2021</a:t>
+              <a:t>3/26/2022</a:t>
             </a:fld>
             <a:endParaRPr lang="en-US"/>
           </a:p>
@@ -596,7 +597,7 @@
           <a:p>
             <a:fld id="{75175371-B1F5-4745-9553-E74C8A03AD3F}" type="datetimeFigureOut">
               <a:rPr lang="en-US" smtClean="0"/>
-              <a:t>7/17/2021</a:t>
+              <a:t>3/26/2022</a:t>
             </a:fld>
             <a:endParaRPr lang="en-US"/>
           </a:p>
@@ -766,7 +767,7 @@
           <a:p>
             <a:fld id="{75175371-B1F5-4745-9553-E74C8A03AD3F}" type="datetimeFigureOut">
               <a:rPr lang="en-US" smtClean="0"/>
-              <a:t>7/17/2021</a:t>
+              <a:t>3/26/2022</a:t>
             </a:fld>
             <a:endParaRPr lang="en-US"/>
           </a:p>
@@ -1010,7 +1011,7 @@
           <a:p>
             <a:fld id="{75175371-B1F5-4745-9553-E74C8A03AD3F}" type="datetimeFigureOut">
               <a:rPr lang="en-US" smtClean="0"/>
-              <a:t>7/17/2021</a:t>
+              <a:t>3/26/2022</a:t>
             </a:fld>
             <a:endParaRPr lang="en-US"/>
           </a:p>
@@ -1242,7 +1243,7 @@
           <a:p>
             <a:fld id="{75175371-B1F5-4745-9553-E74C8A03AD3F}" type="datetimeFigureOut">
               <a:rPr lang="en-US" smtClean="0"/>
-              <a:t>7/17/2021</a:t>
+              <a:t>3/26/2022</a:t>
             </a:fld>
             <a:endParaRPr lang="en-US"/>
           </a:p>
@@ -1609,7 +1610,7 @@
           <a:p>
             <a:fld id="{75175371-B1F5-4745-9553-E74C8A03AD3F}" type="datetimeFigureOut">
               <a:rPr lang="en-US" smtClean="0"/>
-              <a:t>7/17/2021</a:t>
+              <a:t>3/26/2022</a:t>
             </a:fld>
             <a:endParaRPr lang="en-US"/>
           </a:p>
@@ -1727,7 +1728,7 @@
           <a:p>
             <a:fld id="{75175371-B1F5-4745-9553-E74C8A03AD3F}" type="datetimeFigureOut">
               <a:rPr lang="en-US" smtClean="0"/>
-              <a:t>7/17/2021</a:t>
+              <a:t>3/26/2022</a:t>
             </a:fld>
             <a:endParaRPr lang="en-US"/>
           </a:p>
@@ -1822,7 +1823,7 @@
           <a:p>
             <a:fld id="{75175371-B1F5-4745-9553-E74C8A03AD3F}" type="datetimeFigureOut">
               <a:rPr lang="en-US" smtClean="0"/>
-              <a:t>7/17/2021</a:t>
+              <a:t>3/26/2022</a:t>
             </a:fld>
             <a:endParaRPr lang="en-US"/>
           </a:p>
@@ -2099,7 +2100,7 @@
           <a:p>
             <a:fld id="{75175371-B1F5-4745-9553-E74C8A03AD3F}" type="datetimeFigureOut">
               <a:rPr lang="en-US" smtClean="0"/>
-              <a:t>7/17/2021</a:t>
+              <a:t>3/26/2022</a:t>
             </a:fld>
             <a:endParaRPr lang="en-US"/>
           </a:p>
@@ -2356,7 +2357,7 @@
           <a:p>
             <a:fld id="{75175371-B1F5-4745-9553-E74C8A03AD3F}" type="datetimeFigureOut">
               <a:rPr lang="en-US" smtClean="0"/>
-              <a:t>7/17/2021</a:t>
+              <a:t>3/26/2022</a:t>
             </a:fld>
             <a:endParaRPr lang="en-US"/>
           </a:p>
@@ -2569,7 +2570,7 @@
           <a:p>
             <a:fld id="{75175371-B1F5-4745-9553-E74C8A03AD3F}" type="datetimeFigureOut">
               <a:rPr lang="en-US" smtClean="0"/>
-              <a:t>7/17/2021</a:t>
+              <a:t>3/26/2022</a:t>
             </a:fld>
             <a:endParaRPr lang="en-US"/>
           </a:p>
@@ -6590,6 +6591,1796 @@
 </p:sld>
 </file>
 
+<file path=ppt/slides/slide5.xml><?xml version="1.0" encoding="utf-8"?>
+<p:sld xmlns:a="http://schemas.openxmlformats.org/drawingml/2006/main" xmlns:r="http://schemas.openxmlformats.org/officeDocument/2006/relationships" xmlns:p="http://schemas.openxmlformats.org/presentationml/2006/main">
+  <p:cSld>
+    <p:spTree>
+      <p:nvGrpSpPr>
+        <p:cNvPr id="1" name=""/>
+        <p:cNvGrpSpPr/>
+        <p:nvPr/>
+      </p:nvGrpSpPr>
+      <p:grpSpPr>
+        <a:xfrm>
+          <a:off x="0" y="0"/>
+          <a:ext cx="0" cy="0"/>
+          <a:chOff x="0" y="0"/>
+          <a:chExt cx="0" cy="0"/>
+        </a:xfrm>
+      </p:grpSpPr>
+      <p:grpSp>
+        <p:nvGrpSpPr>
+          <p:cNvPr id="8" name="Gruppieren 7"/>
+          <p:cNvGrpSpPr/>
+          <p:nvPr/>
+        </p:nvGrpSpPr>
+        <p:grpSpPr>
+          <a:xfrm>
+            <a:off x="480098" y="610019"/>
+            <a:ext cx="98576" cy="151363"/>
+            <a:chOff x="315760" y="388937"/>
+            <a:chExt cx="555929" cy="853630"/>
+          </a:xfrm>
+          <a:solidFill>
+            <a:srgbClr val="4C8B2D"/>
+          </a:solidFill>
+          <a:effectLst>
+            <a:outerShdw blurRad="76200" dir="18900000" sy="23000" kx="-1200000" algn="bl" rotWithShape="0">
+              <a:prstClr val="black">
+                <a:alpha val="20000"/>
+              </a:prstClr>
+            </a:outerShdw>
+          </a:effectLst>
+        </p:grpSpPr>
+        <p:sp>
+          <p:nvSpPr>
+            <p:cNvPr id="6" name="Rechteck 5"/>
+            <p:cNvSpPr/>
+            <p:nvPr/>
+          </p:nvSpPr>
+          <p:spPr>
+            <a:xfrm>
+              <a:off x="560307" y="923578"/>
+              <a:ext cx="92372" cy="318989"/>
+            </a:xfrm>
+            <a:custGeom>
+              <a:avLst/>
+              <a:gdLst>
+                <a:gd name="connsiteX0" fmla="*/ 0 w 92372"/>
+                <a:gd name="connsiteY0" fmla="*/ 0 h 318989"/>
+                <a:gd name="connsiteX1" fmla="*/ 92372 w 92372"/>
+                <a:gd name="connsiteY1" fmla="*/ 0 h 318989"/>
+                <a:gd name="connsiteX2" fmla="*/ 92372 w 92372"/>
+                <a:gd name="connsiteY2" fmla="*/ 318989 h 318989"/>
+                <a:gd name="connsiteX3" fmla="*/ 0 w 92372"/>
+                <a:gd name="connsiteY3" fmla="*/ 318989 h 318989"/>
+                <a:gd name="connsiteX4" fmla="*/ 0 w 92372"/>
+                <a:gd name="connsiteY4" fmla="*/ 0 h 318989"/>
+                <a:gd name="connsiteX0" fmla="*/ 0 w 92372"/>
+                <a:gd name="connsiteY0" fmla="*/ 0 h 318989"/>
+                <a:gd name="connsiteX1" fmla="*/ 68560 w 92372"/>
+                <a:gd name="connsiteY1" fmla="*/ 0 h 318989"/>
+                <a:gd name="connsiteX2" fmla="*/ 92372 w 92372"/>
+                <a:gd name="connsiteY2" fmla="*/ 318989 h 318989"/>
+                <a:gd name="connsiteX3" fmla="*/ 0 w 92372"/>
+                <a:gd name="connsiteY3" fmla="*/ 318989 h 318989"/>
+                <a:gd name="connsiteX4" fmla="*/ 0 w 92372"/>
+                <a:gd name="connsiteY4" fmla="*/ 0 h 318989"/>
+                <a:gd name="connsiteX0" fmla="*/ 19050 w 92372"/>
+                <a:gd name="connsiteY0" fmla="*/ 0 h 318989"/>
+                <a:gd name="connsiteX1" fmla="*/ 68560 w 92372"/>
+                <a:gd name="connsiteY1" fmla="*/ 0 h 318989"/>
+                <a:gd name="connsiteX2" fmla="*/ 92372 w 92372"/>
+                <a:gd name="connsiteY2" fmla="*/ 318989 h 318989"/>
+                <a:gd name="connsiteX3" fmla="*/ 0 w 92372"/>
+                <a:gd name="connsiteY3" fmla="*/ 318989 h 318989"/>
+                <a:gd name="connsiteX4" fmla="*/ 19050 w 92372"/>
+                <a:gd name="connsiteY4" fmla="*/ 0 h 318989"/>
+              </a:gdLst>
+              <a:ahLst/>
+              <a:cxnLst>
+                <a:cxn ang="0">
+                  <a:pos x="connsiteX0" y="connsiteY0"/>
+                </a:cxn>
+                <a:cxn ang="0">
+                  <a:pos x="connsiteX1" y="connsiteY1"/>
+                </a:cxn>
+                <a:cxn ang="0">
+                  <a:pos x="connsiteX2" y="connsiteY2"/>
+                </a:cxn>
+                <a:cxn ang="0">
+                  <a:pos x="connsiteX3" y="connsiteY3"/>
+                </a:cxn>
+                <a:cxn ang="0">
+                  <a:pos x="connsiteX4" y="connsiteY4"/>
+                </a:cxn>
+              </a:cxnLst>
+              <a:rect l="l" t="t" r="r" b="b"/>
+              <a:pathLst>
+                <a:path w="92372" h="318989">
+                  <a:moveTo>
+                    <a:pt x="19050" y="0"/>
+                  </a:moveTo>
+                  <a:lnTo>
+                    <a:pt x="68560" y="0"/>
+                  </a:lnTo>
+                  <a:lnTo>
+                    <a:pt x="92372" y="318989"/>
+                  </a:lnTo>
+                  <a:lnTo>
+                    <a:pt x="0" y="318989"/>
+                  </a:lnTo>
+                  <a:lnTo>
+                    <a:pt x="19050" y="0"/>
+                  </a:lnTo>
+                  <a:close/>
+                </a:path>
+              </a:pathLst>
+            </a:custGeom>
+            <a:grpFill/>
+            <a:ln>
+              <a:noFill/>
+            </a:ln>
+          </p:spPr>
+          <p:style>
+            <a:lnRef idx="2">
+              <a:schemeClr val="accent1">
+                <a:shade val="50000"/>
+              </a:schemeClr>
+            </a:lnRef>
+            <a:fillRef idx="1">
+              <a:schemeClr val="accent1"/>
+            </a:fillRef>
+            <a:effectRef idx="0">
+              <a:schemeClr val="accent1"/>
+            </a:effectRef>
+            <a:fontRef idx="minor">
+              <a:schemeClr val="lt1"/>
+            </a:fontRef>
+          </p:style>
+          <p:txBody>
+            <a:bodyPr rtlCol="0" anchor="ctr"/>
+            <a:lstStyle/>
+            <a:p>
+              <a:pPr algn="ctr"/>
+              <a:endParaRPr lang="en-US"/>
+            </a:p>
+          </p:txBody>
+        </p:sp>
+        <p:sp>
+          <p:nvSpPr>
+            <p:cNvPr id="7" name="Wolke 6"/>
+            <p:cNvSpPr/>
+            <p:nvPr/>
+          </p:nvSpPr>
+          <p:spPr>
+            <a:xfrm>
+              <a:off x="315760" y="388937"/>
+              <a:ext cx="555929" cy="604838"/>
+            </a:xfrm>
+            <a:custGeom>
+              <a:avLst/>
+              <a:gdLst>
+                <a:gd name="connsiteX0" fmla="*/ 3900 w 43200"/>
+                <a:gd name="connsiteY0" fmla="*/ 14370 h 43200"/>
+                <a:gd name="connsiteX1" fmla="*/ 5623 w 43200"/>
+                <a:gd name="connsiteY1" fmla="*/ 6907 h 43200"/>
+                <a:gd name="connsiteX2" fmla="*/ 14005 w 43200"/>
+                <a:gd name="connsiteY2" fmla="*/ 5202 h 43200"/>
+                <a:gd name="connsiteX3" fmla="*/ 22456 w 43200"/>
+                <a:gd name="connsiteY3" fmla="*/ 3432 h 43200"/>
+                <a:gd name="connsiteX4" fmla="*/ 25749 w 43200"/>
+                <a:gd name="connsiteY4" fmla="*/ 200 h 43200"/>
+                <a:gd name="connsiteX5" fmla="*/ 29833 w 43200"/>
+                <a:gd name="connsiteY5" fmla="*/ 2481 h 43200"/>
+                <a:gd name="connsiteX6" fmla="*/ 35463 w 43200"/>
+                <a:gd name="connsiteY6" fmla="*/ 690 h 43200"/>
+                <a:gd name="connsiteX7" fmla="*/ 38318 w 43200"/>
+                <a:gd name="connsiteY7" fmla="*/ 5576 h 43200"/>
+                <a:gd name="connsiteX8" fmla="*/ 41982 w 43200"/>
+                <a:gd name="connsiteY8" fmla="*/ 10318 h 43200"/>
+                <a:gd name="connsiteX9" fmla="*/ 41818 w 43200"/>
+                <a:gd name="connsiteY9" fmla="*/ 15460 h 43200"/>
+                <a:gd name="connsiteX10" fmla="*/ 43016 w 43200"/>
+                <a:gd name="connsiteY10" fmla="*/ 23322 h 43200"/>
+                <a:gd name="connsiteX11" fmla="*/ 37404 w 43200"/>
+                <a:gd name="connsiteY11" fmla="*/ 30204 h 43200"/>
+                <a:gd name="connsiteX12" fmla="*/ 35395 w 43200"/>
+                <a:gd name="connsiteY12" fmla="*/ 36101 h 43200"/>
+                <a:gd name="connsiteX13" fmla="*/ 28555 w 43200"/>
+                <a:gd name="connsiteY13" fmla="*/ 36815 h 43200"/>
+                <a:gd name="connsiteX14" fmla="*/ 23667 w 43200"/>
+                <a:gd name="connsiteY14" fmla="*/ 43106 h 43200"/>
+                <a:gd name="connsiteX15" fmla="*/ 16480 w 43200"/>
+                <a:gd name="connsiteY15" fmla="*/ 39266 h 43200"/>
+                <a:gd name="connsiteX16" fmla="*/ 5804 w 43200"/>
+                <a:gd name="connsiteY16" fmla="*/ 35472 h 43200"/>
+                <a:gd name="connsiteX17" fmla="*/ 1110 w 43200"/>
+                <a:gd name="connsiteY17" fmla="*/ 31250 h 43200"/>
+                <a:gd name="connsiteX18" fmla="*/ 2113 w 43200"/>
+                <a:gd name="connsiteY18" fmla="*/ 25551 h 43200"/>
+                <a:gd name="connsiteX19" fmla="*/ -5 w 43200"/>
+                <a:gd name="connsiteY19" fmla="*/ 19704 h 43200"/>
+                <a:gd name="connsiteX20" fmla="*/ 3863 w 43200"/>
+                <a:gd name="connsiteY20" fmla="*/ 14507 h 43200"/>
+                <a:gd name="connsiteX21" fmla="*/ 3900 w 43200"/>
+                <a:gd name="connsiteY21" fmla="*/ 14370 h 43200"/>
+                <a:gd name="connsiteX0" fmla="*/ 4693 w 43200"/>
+                <a:gd name="connsiteY0" fmla="*/ 26177 h 43200"/>
+                <a:gd name="connsiteX1" fmla="*/ 2160 w 43200"/>
+                <a:gd name="connsiteY1" fmla="*/ 25380 h 43200"/>
+                <a:gd name="connsiteX2" fmla="*/ 6928 w 43200"/>
+                <a:gd name="connsiteY2" fmla="*/ 34899 h 43200"/>
+                <a:gd name="connsiteX3" fmla="*/ 5820 w 43200"/>
+                <a:gd name="connsiteY3" fmla="*/ 35280 h 43200"/>
+                <a:gd name="connsiteX4" fmla="*/ 16478 w 43200"/>
+                <a:gd name="connsiteY4" fmla="*/ 39090 h 43200"/>
+                <a:gd name="connsiteX5" fmla="*/ 15810 w 43200"/>
+                <a:gd name="connsiteY5" fmla="*/ 37350 h 43200"/>
+                <a:gd name="connsiteX6" fmla="*/ 28827 w 43200"/>
+                <a:gd name="connsiteY6" fmla="*/ 34751 h 43200"/>
+                <a:gd name="connsiteX7" fmla="*/ 28560 w 43200"/>
+                <a:gd name="connsiteY7" fmla="*/ 36660 h 43200"/>
+                <a:gd name="connsiteX8" fmla="*/ 34129 w 43200"/>
+                <a:gd name="connsiteY8" fmla="*/ 22954 h 43200"/>
+                <a:gd name="connsiteX9" fmla="*/ 37380 w 43200"/>
+                <a:gd name="connsiteY9" fmla="*/ 30090 h 43200"/>
+                <a:gd name="connsiteX10" fmla="*/ 41798 w 43200"/>
+                <a:gd name="connsiteY10" fmla="*/ 15354 h 43200"/>
+                <a:gd name="connsiteX11" fmla="*/ 40350 w 43200"/>
+                <a:gd name="connsiteY11" fmla="*/ 18030 h 43200"/>
+                <a:gd name="connsiteX12" fmla="*/ 38324 w 43200"/>
+                <a:gd name="connsiteY12" fmla="*/ 5426 h 43200"/>
+                <a:gd name="connsiteX13" fmla="*/ 38400 w 43200"/>
+                <a:gd name="connsiteY13" fmla="*/ 6690 h 43200"/>
+                <a:gd name="connsiteX14" fmla="*/ 29078 w 43200"/>
+                <a:gd name="connsiteY14" fmla="*/ 3952 h 43200"/>
+                <a:gd name="connsiteX15" fmla="*/ 29820 w 43200"/>
+                <a:gd name="connsiteY15" fmla="*/ 2340 h 43200"/>
+                <a:gd name="connsiteX16" fmla="*/ 22141 w 43200"/>
+                <a:gd name="connsiteY16" fmla="*/ 4720 h 43200"/>
+                <a:gd name="connsiteX17" fmla="*/ 22500 w 43200"/>
+                <a:gd name="connsiteY17" fmla="*/ 3330 h 43200"/>
+                <a:gd name="connsiteX18" fmla="*/ 14000 w 43200"/>
+                <a:gd name="connsiteY18" fmla="*/ 5192 h 43200"/>
+                <a:gd name="connsiteX19" fmla="*/ 15300 w 43200"/>
+                <a:gd name="connsiteY19" fmla="*/ 6540 h 43200"/>
+                <a:gd name="connsiteX20" fmla="*/ 4127 w 43200"/>
+                <a:gd name="connsiteY20" fmla="*/ 15789 h 43200"/>
+                <a:gd name="connsiteX21" fmla="*/ 3900 w 43200"/>
+                <a:gd name="connsiteY21" fmla="*/ 14370 h 43200"/>
+                <a:gd name="connsiteX0" fmla="*/ 3936 w 43256"/>
+                <a:gd name="connsiteY0" fmla="*/ 14229 h 43219"/>
+                <a:gd name="connsiteX1" fmla="*/ 5659 w 43256"/>
+                <a:gd name="connsiteY1" fmla="*/ 6766 h 43219"/>
+                <a:gd name="connsiteX2" fmla="*/ 14041 w 43256"/>
+                <a:gd name="connsiteY2" fmla="*/ 5061 h 43219"/>
+                <a:gd name="connsiteX3" fmla="*/ 22492 w 43256"/>
+                <a:gd name="connsiteY3" fmla="*/ 3291 h 43219"/>
+                <a:gd name="connsiteX4" fmla="*/ 25785 w 43256"/>
+                <a:gd name="connsiteY4" fmla="*/ 59 h 43219"/>
+                <a:gd name="connsiteX5" fmla="*/ 29869 w 43256"/>
+                <a:gd name="connsiteY5" fmla="*/ 2340 h 43219"/>
+                <a:gd name="connsiteX6" fmla="*/ 35499 w 43256"/>
+                <a:gd name="connsiteY6" fmla="*/ 549 h 43219"/>
+                <a:gd name="connsiteX7" fmla="*/ 38354 w 43256"/>
+                <a:gd name="connsiteY7" fmla="*/ 5435 h 43219"/>
+                <a:gd name="connsiteX8" fmla="*/ 42018 w 43256"/>
+                <a:gd name="connsiteY8" fmla="*/ 10177 h 43219"/>
+                <a:gd name="connsiteX9" fmla="*/ 41854 w 43256"/>
+                <a:gd name="connsiteY9" fmla="*/ 15319 h 43219"/>
+                <a:gd name="connsiteX10" fmla="*/ 43052 w 43256"/>
+                <a:gd name="connsiteY10" fmla="*/ 23181 h 43219"/>
+                <a:gd name="connsiteX11" fmla="*/ 37440 w 43256"/>
+                <a:gd name="connsiteY11" fmla="*/ 30063 h 43219"/>
+                <a:gd name="connsiteX12" fmla="*/ 35431 w 43256"/>
+                <a:gd name="connsiteY12" fmla="*/ 35960 h 43219"/>
+                <a:gd name="connsiteX13" fmla="*/ 28591 w 43256"/>
+                <a:gd name="connsiteY13" fmla="*/ 36674 h 43219"/>
+                <a:gd name="connsiteX14" fmla="*/ 23703 w 43256"/>
+                <a:gd name="connsiteY14" fmla="*/ 42965 h 43219"/>
+                <a:gd name="connsiteX15" fmla="*/ 16516 w 43256"/>
+                <a:gd name="connsiteY15" fmla="*/ 39125 h 43219"/>
+                <a:gd name="connsiteX16" fmla="*/ 5840 w 43256"/>
+                <a:gd name="connsiteY16" fmla="*/ 35331 h 43219"/>
+                <a:gd name="connsiteX17" fmla="*/ 1146 w 43256"/>
+                <a:gd name="connsiteY17" fmla="*/ 31109 h 43219"/>
+                <a:gd name="connsiteX18" fmla="*/ 2149 w 43256"/>
+                <a:gd name="connsiteY18" fmla="*/ 25410 h 43219"/>
+                <a:gd name="connsiteX19" fmla="*/ 31 w 43256"/>
+                <a:gd name="connsiteY19" fmla="*/ 19563 h 43219"/>
+                <a:gd name="connsiteX20" fmla="*/ 3899 w 43256"/>
+                <a:gd name="connsiteY20" fmla="*/ 14366 h 43219"/>
+                <a:gd name="connsiteX21" fmla="*/ 3936 w 43256"/>
+                <a:gd name="connsiteY21" fmla="*/ 14229 h 43219"/>
+                <a:gd name="connsiteX0" fmla="*/ 4729 w 43256"/>
+                <a:gd name="connsiteY0" fmla="*/ 26036 h 43219"/>
+                <a:gd name="connsiteX1" fmla="*/ 2196 w 43256"/>
+                <a:gd name="connsiteY1" fmla="*/ 25239 h 43219"/>
+                <a:gd name="connsiteX2" fmla="*/ 6964 w 43256"/>
+                <a:gd name="connsiteY2" fmla="*/ 34758 h 43219"/>
+                <a:gd name="connsiteX3" fmla="*/ 5856 w 43256"/>
+                <a:gd name="connsiteY3" fmla="*/ 35139 h 43219"/>
+                <a:gd name="connsiteX4" fmla="*/ 16514 w 43256"/>
+                <a:gd name="connsiteY4" fmla="*/ 38949 h 43219"/>
+                <a:gd name="connsiteX5" fmla="*/ 15846 w 43256"/>
+                <a:gd name="connsiteY5" fmla="*/ 37209 h 43219"/>
+                <a:gd name="connsiteX6" fmla="*/ 28863 w 43256"/>
+                <a:gd name="connsiteY6" fmla="*/ 34610 h 43219"/>
+                <a:gd name="connsiteX7" fmla="*/ 28596 w 43256"/>
+                <a:gd name="connsiteY7" fmla="*/ 36519 h 43219"/>
+                <a:gd name="connsiteX8" fmla="*/ 34165 w 43256"/>
+                <a:gd name="connsiteY8" fmla="*/ 22813 h 43219"/>
+                <a:gd name="connsiteX9" fmla="*/ 37416 w 43256"/>
+                <a:gd name="connsiteY9" fmla="*/ 29949 h 43219"/>
+                <a:gd name="connsiteX10" fmla="*/ 41834 w 43256"/>
+                <a:gd name="connsiteY10" fmla="*/ 15213 h 43219"/>
+                <a:gd name="connsiteX11" fmla="*/ 40386 w 43256"/>
+                <a:gd name="connsiteY11" fmla="*/ 17889 h 43219"/>
+                <a:gd name="connsiteX12" fmla="*/ 38360 w 43256"/>
+                <a:gd name="connsiteY12" fmla="*/ 5285 h 43219"/>
+                <a:gd name="connsiteX13" fmla="*/ 38436 w 43256"/>
+                <a:gd name="connsiteY13" fmla="*/ 6549 h 43219"/>
+                <a:gd name="connsiteX14" fmla="*/ 29114 w 43256"/>
+                <a:gd name="connsiteY14" fmla="*/ 3811 h 43219"/>
+                <a:gd name="connsiteX15" fmla="*/ 29856 w 43256"/>
+                <a:gd name="connsiteY15" fmla="*/ 2199 h 43219"/>
+                <a:gd name="connsiteX16" fmla="*/ 24952 w 43256"/>
+                <a:gd name="connsiteY16" fmla="*/ 3664 h 43219"/>
+                <a:gd name="connsiteX17" fmla="*/ 22536 w 43256"/>
+                <a:gd name="connsiteY17" fmla="*/ 3189 h 43219"/>
+                <a:gd name="connsiteX18" fmla="*/ 14036 w 43256"/>
+                <a:gd name="connsiteY18" fmla="*/ 5051 h 43219"/>
+                <a:gd name="connsiteX19" fmla="*/ 15336 w 43256"/>
+                <a:gd name="connsiteY19" fmla="*/ 6399 h 43219"/>
+                <a:gd name="connsiteX20" fmla="*/ 4163 w 43256"/>
+                <a:gd name="connsiteY20" fmla="*/ 15648 h 43219"/>
+                <a:gd name="connsiteX21" fmla="*/ 3936 w 43256"/>
+                <a:gd name="connsiteY21" fmla="*/ 14229 h 43219"/>
+                <a:gd name="connsiteX0" fmla="*/ 3936 w 43256"/>
+                <a:gd name="connsiteY0" fmla="*/ 14229 h 43219"/>
+                <a:gd name="connsiteX1" fmla="*/ 5659 w 43256"/>
+                <a:gd name="connsiteY1" fmla="*/ 6766 h 43219"/>
+                <a:gd name="connsiteX2" fmla="*/ 14041 w 43256"/>
+                <a:gd name="connsiteY2" fmla="*/ 5061 h 43219"/>
+                <a:gd name="connsiteX3" fmla="*/ 22492 w 43256"/>
+                <a:gd name="connsiteY3" fmla="*/ 3291 h 43219"/>
+                <a:gd name="connsiteX4" fmla="*/ 25785 w 43256"/>
+                <a:gd name="connsiteY4" fmla="*/ 59 h 43219"/>
+                <a:gd name="connsiteX5" fmla="*/ 29869 w 43256"/>
+                <a:gd name="connsiteY5" fmla="*/ 2340 h 43219"/>
+                <a:gd name="connsiteX6" fmla="*/ 35499 w 43256"/>
+                <a:gd name="connsiteY6" fmla="*/ 549 h 43219"/>
+                <a:gd name="connsiteX7" fmla="*/ 38354 w 43256"/>
+                <a:gd name="connsiteY7" fmla="*/ 5435 h 43219"/>
+                <a:gd name="connsiteX8" fmla="*/ 42018 w 43256"/>
+                <a:gd name="connsiteY8" fmla="*/ 10177 h 43219"/>
+                <a:gd name="connsiteX9" fmla="*/ 41854 w 43256"/>
+                <a:gd name="connsiteY9" fmla="*/ 15319 h 43219"/>
+                <a:gd name="connsiteX10" fmla="*/ 43052 w 43256"/>
+                <a:gd name="connsiteY10" fmla="*/ 23181 h 43219"/>
+                <a:gd name="connsiteX11" fmla="*/ 37440 w 43256"/>
+                <a:gd name="connsiteY11" fmla="*/ 30063 h 43219"/>
+                <a:gd name="connsiteX12" fmla="*/ 35431 w 43256"/>
+                <a:gd name="connsiteY12" fmla="*/ 35960 h 43219"/>
+                <a:gd name="connsiteX13" fmla="*/ 28591 w 43256"/>
+                <a:gd name="connsiteY13" fmla="*/ 36674 h 43219"/>
+                <a:gd name="connsiteX14" fmla="*/ 23703 w 43256"/>
+                <a:gd name="connsiteY14" fmla="*/ 42965 h 43219"/>
+                <a:gd name="connsiteX15" fmla="*/ 16516 w 43256"/>
+                <a:gd name="connsiteY15" fmla="*/ 39125 h 43219"/>
+                <a:gd name="connsiteX16" fmla="*/ 5840 w 43256"/>
+                <a:gd name="connsiteY16" fmla="*/ 35331 h 43219"/>
+                <a:gd name="connsiteX17" fmla="*/ 1146 w 43256"/>
+                <a:gd name="connsiteY17" fmla="*/ 31109 h 43219"/>
+                <a:gd name="connsiteX18" fmla="*/ 2149 w 43256"/>
+                <a:gd name="connsiteY18" fmla="*/ 25410 h 43219"/>
+                <a:gd name="connsiteX19" fmla="*/ 31 w 43256"/>
+                <a:gd name="connsiteY19" fmla="*/ 19563 h 43219"/>
+                <a:gd name="connsiteX20" fmla="*/ 3899 w 43256"/>
+                <a:gd name="connsiteY20" fmla="*/ 14366 h 43219"/>
+                <a:gd name="connsiteX21" fmla="*/ 3936 w 43256"/>
+                <a:gd name="connsiteY21" fmla="*/ 14229 h 43219"/>
+                <a:gd name="connsiteX0" fmla="*/ 4729 w 43256"/>
+                <a:gd name="connsiteY0" fmla="*/ 26036 h 43219"/>
+                <a:gd name="connsiteX1" fmla="*/ 2196 w 43256"/>
+                <a:gd name="connsiteY1" fmla="*/ 25239 h 43219"/>
+                <a:gd name="connsiteX2" fmla="*/ 6964 w 43256"/>
+                <a:gd name="connsiteY2" fmla="*/ 34758 h 43219"/>
+                <a:gd name="connsiteX3" fmla="*/ 5856 w 43256"/>
+                <a:gd name="connsiteY3" fmla="*/ 35139 h 43219"/>
+                <a:gd name="connsiteX4" fmla="*/ 16514 w 43256"/>
+                <a:gd name="connsiteY4" fmla="*/ 38949 h 43219"/>
+                <a:gd name="connsiteX5" fmla="*/ 15846 w 43256"/>
+                <a:gd name="connsiteY5" fmla="*/ 37209 h 43219"/>
+                <a:gd name="connsiteX6" fmla="*/ 28863 w 43256"/>
+                <a:gd name="connsiteY6" fmla="*/ 34610 h 43219"/>
+                <a:gd name="connsiteX7" fmla="*/ 28596 w 43256"/>
+                <a:gd name="connsiteY7" fmla="*/ 36519 h 43219"/>
+                <a:gd name="connsiteX8" fmla="*/ 34165 w 43256"/>
+                <a:gd name="connsiteY8" fmla="*/ 22813 h 43219"/>
+                <a:gd name="connsiteX9" fmla="*/ 37416 w 43256"/>
+                <a:gd name="connsiteY9" fmla="*/ 29949 h 43219"/>
+                <a:gd name="connsiteX10" fmla="*/ 41834 w 43256"/>
+                <a:gd name="connsiteY10" fmla="*/ 15213 h 43219"/>
+                <a:gd name="connsiteX11" fmla="*/ 40386 w 43256"/>
+                <a:gd name="connsiteY11" fmla="*/ 17889 h 43219"/>
+                <a:gd name="connsiteX12" fmla="*/ 38360 w 43256"/>
+                <a:gd name="connsiteY12" fmla="*/ 5285 h 43219"/>
+                <a:gd name="connsiteX13" fmla="*/ 38436 w 43256"/>
+                <a:gd name="connsiteY13" fmla="*/ 6549 h 43219"/>
+                <a:gd name="connsiteX14" fmla="*/ 29114 w 43256"/>
+                <a:gd name="connsiteY14" fmla="*/ 3811 h 43219"/>
+                <a:gd name="connsiteX15" fmla="*/ 29856 w 43256"/>
+                <a:gd name="connsiteY15" fmla="*/ 2199 h 43219"/>
+                <a:gd name="connsiteX16" fmla="*/ 24952 w 43256"/>
+                <a:gd name="connsiteY16" fmla="*/ 3664 h 43219"/>
+                <a:gd name="connsiteX17" fmla="*/ 25191 w 43256"/>
+                <a:gd name="connsiteY17" fmla="*/ 7765 h 43219"/>
+                <a:gd name="connsiteX18" fmla="*/ 14036 w 43256"/>
+                <a:gd name="connsiteY18" fmla="*/ 5051 h 43219"/>
+                <a:gd name="connsiteX19" fmla="*/ 15336 w 43256"/>
+                <a:gd name="connsiteY19" fmla="*/ 6399 h 43219"/>
+                <a:gd name="connsiteX20" fmla="*/ 4163 w 43256"/>
+                <a:gd name="connsiteY20" fmla="*/ 15648 h 43219"/>
+                <a:gd name="connsiteX21" fmla="*/ 3936 w 43256"/>
+                <a:gd name="connsiteY21" fmla="*/ 14229 h 43219"/>
+                <a:gd name="connsiteX0" fmla="*/ 3936 w 43256"/>
+                <a:gd name="connsiteY0" fmla="*/ 14221 h 43211"/>
+                <a:gd name="connsiteX1" fmla="*/ 5659 w 43256"/>
+                <a:gd name="connsiteY1" fmla="*/ 6758 h 43211"/>
+                <a:gd name="connsiteX2" fmla="*/ 14041 w 43256"/>
+                <a:gd name="connsiteY2" fmla="*/ 5053 h 43211"/>
+                <a:gd name="connsiteX3" fmla="*/ 22613 w 43256"/>
+                <a:gd name="connsiteY3" fmla="*/ 2201 h 43211"/>
+                <a:gd name="connsiteX4" fmla="*/ 25785 w 43256"/>
+                <a:gd name="connsiteY4" fmla="*/ 51 h 43211"/>
+                <a:gd name="connsiteX5" fmla="*/ 29869 w 43256"/>
+                <a:gd name="connsiteY5" fmla="*/ 2332 h 43211"/>
+                <a:gd name="connsiteX6" fmla="*/ 35499 w 43256"/>
+                <a:gd name="connsiteY6" fmla="*/ 541 h 43211"/>
+                <a:gd name="connsiteX7" fmla="*/ 38354 w 43256"/>
+                <a:gd name="connsiteY7" fmla="*/ 5427 h 43211"/>
+                <a:gd name="connsiteX8" fmla="*/ 42018 w 43256"/>
+                <a:gd name="connsiteY8" fmla="*/ 10169 h 43211"/>
+                <a:gd name="connsiteX9" fmla="*/ 41854 w 43256"/>
+                <a:gd name="connsiteY9" fmla="*/ 15311 h 43211"/>
+                <a:gd name="connsiteX10" fmla="*/ 43052 w 43256"/>
+                <a:gd name="connsiteY10" fmla="*/ 23173 h 43211"/>
+                <a:gd name="connsiteX11" fmla="*/ 37440 w 43256"/>
+                <a:gd name="connsiteY11" fmla="*/ 30055 h 43211"/>
+                <a:gd name="connsiteX12" fmla="*/ 35431 w 43256"/>
+                <a:gd name="connsiteY12" fmla="*/ 35952 h 43211"/>
+                <a:gd name="connsiteX13" fmla="*/ 28591 w 43256"/>
+                <a:gd name="connsiteY13" fmla="*/ 36666 h 43211"/>
+                <a:gd name="connsiteX14" fmla="*/ 23703 w 43256"/>
+                <a:gd name="connsiteY14" fmla="*/ 42957 h 43211"/>
+                <a:gd name="connsiteX15" fmla="*/ 16516 w 43256"/>
+                <a:gd name="connsiteY15" fmla="*/ 39117 h 43211"/>
+                <a:gd name="connsiteX16" fmla="*/ 5840 w 43256"/>
+                <a:gd name="connsiteY16" fmla="*/ 35323 h 43211"/>
+                <a:gd name="connsiteX17" fmla="*/ 1146 w 43256"/>
+                <a:gd name="connsiteY17" fmla="*/ 31101 h 43211"/>
+                <a:gd name="connsiteX18" fmla="*/ 2149 w 43256"/>
+                <a:gd name="connsiteY18" fmla="*/ 25402 h 43211"/>
+                <a:gd name="connsiteX19" fmla="*/ 31 w 43256"/>
+                <a:gd name="connsiteY19" fmla="*/ 19555 h 43211"/>
+                <a:gd name="connsiteX20" fmla="*/ 3899 w 43256"/>
+                <a:gd name="connsiteY20" fmla="*/ 14358 h 43211"/>
+                <a:gd name="connsiteX21" fmla="*/ 3936 w 43256"/>
+                <a:gd name="connsiteY21" fmla="*/ 14221 h 43211"/>
+                <a:gd name="connsiteX0" fmla="*/ 4729 w 43256"/>
+                <a:gd name="connsiteY0" fmla="*/ 26028 h 43211"/>
+                <a:gd name="connsiteX1" fmla="*/ 2196 w 43256"/>
+                <a:gd name="connsiteY1" fmla="*/ 25231 h 43211"/>
+                <a:gd name="connsiteX2" fmla="*/ 6964 w 43256"/>
+                <a:gd name="connsiteY2" fmla="*/ 34750 h 43211"/>
+                <a:gd name="connsiteX3" fmla="*/ 5856 w 43256"/>
+                <a:gd name="connsiteY3" fmla="*/ 35131 h 43211"/>
+                <a:gd name="connsiteX4" fmla="*/ 16514 w 43256"/>
+                <a:gd name="connsiteY4" fmla="*/ 38941 h 43211"/>
+                <a:gd name="connsiteX5" fmla="*/ 15846 w 43256"/>
+                <a:gd name="connsiteY5" fmla="*/ 37201 h 43211"/>
+                <a:gd name="connsiteX6" fmla="*/ 28863 w 43256"/>
+                <a:gd name="connsiteY6" fmla="*/ 34602 h 43211"/>
+                <a:gd name="connsiteX7" fmla="*/ 28596 w 43256"/>
+                <a:gd name="connsiteY7" fmla="*/ 36511 h 43211"/>
+                <a:gd name="connsiteX8" fmla="*/ 34165 w 43256"/>
+                <a:gd name="connsiteY8" fmla="*/ 22805 h 43211"/>
+                <a:gd name="connsiteX9" fmla="*/ 37416 w 43256"/>
+                <a:gd name="connsiteY9" fmla="*/ 29941 h 43211"/>
+                <a:gd name="connsiteX10" fmla="*/ 41834 w 43256"/>
+                <a:gd name="connsiteY10" fmla="*/ 15205 h 43211"/>
+                <a:gd name="connsiteX11" fmla="*/ 40386 w 43256"/>
+                <a:gd name="connsiteY11" fmla="*/ 17881 h 43211"/>
+                <a:gd name="connsiteX12" fmla="*/ 38360 w 43256"/>
+                <a:gd name="connsiteY12" fmla="*/ 5277 h 43211"/>
+                <a:gd name="connsiteX13" fmla="*/ 38436 w 43256"/>
+                <a:gd name="connsiteY13" fmla="*/ 6541 h 43211"/>
+                <a:gd name="connsiteX14" fmla="*/ 29114 w 43256"/>
+                <a:gd name="connsiteY14" fmla="*/ 3803 h 43211"/>
+                <a:gd name="connsiteX15" fmla="*/ 29856 w 43256"/>
+                <a:gd name="connsiteY15" fmla="*/ 2191 h 43211"/>
+                <a:gd name="connsiteX16" fmla="*/ 24952 w 43256"/>
+                <a:gd name="connsiteY16" fmla="*/ 3656 h 43211"/>
+                <a:gd name="connsiteX17" fmla="*/ 25191 w 43256"/>
+                <a:gd name="connsiteY17" fmla="*/ 7757 h 43211"/>
+                <a:gd name="connsiteX18" fmla="*/ 14036 w 43256"/>
+                <a:gd name="connsiteY18" fmla="*/ 5043 h 43211"/>
+                <a:gd name="connsiteX19" fmla="*/ 15336 w 43256"/>
+                <a:gd name="connsiteY19" fmla="*/ 6391 h 43211"/>
+                <a:gd name="connsiteX20" fmla="*/ 4163 w 43256"/>
+                <a:gd name="connsiteY20" fmla="*/ 15640 h 43211"/>
+                <a:gd name="connsiteX21" fmla="*/ 3936 w 43256"/>
+                <a:gd name="connsiteY21" fmla="*/ 14221 h 43211"/>
+                <a:gd name="connsiteX0" fmla="*/ 3936 w 43256"/>
+                <a:gd name="connsiteY0" fmla="*/ 14277 h 43267"/>
+                <a:gd name="connsiteX1" fmla="*/ 5659 w 43256"/>
+                <a:gd name="connsiteY1" fmla="*/ 6814 h 43267"/>
+                <a:gd name="connsiteX2" fmla="*/ 14041 w 43256"/>
+                <a:gd name="connsiteY2" fmla="*/ 5109 h 43267"/>
+                <a:gd name="connsiteX3" fmla="*/ 25785 w 43256"/>
+                <a:gd name="connsiteY3" fmla="*/ 107 h 43267"/>
+                <a:gd name="connsiteX4" fmla="*/ 29869 w 43256"/>
+                <a:gd name="connsiteY4" fmla="*/ 2388 h 43267"/>
+                <a:gd name="connsiteX5" fmla="*/ 35499 w 43256"/>
+                <a:gd name="connsiteY5" fmla="*/ 597 h 43267"/>
+                <a:gd name="connsiteX6" fmla="*/ 38354 w 43256"/>
+                <a:gd name="connsiteY6" fmla="*/ 5483 h 43267"/>
+                <a:gd name="connsiteX7" fmla="*/ 42018 w 43256"/>
+                <a:gd name="connsiteY7" fmla="*/ 10225 h 43267"/>
+                <a:gd name="connsiteX8" fmla="*/ 41854 w 43256"/>
+                <a:gd name="connsiteY8" fmla="*/ 15367 h 43267"/>
+                <a:gd name="connsiteX9" fmla="*/ 43052 w 43256"/>
+                <a:gd name="connsiteY9" fmla="*/ 23229 h 43267"/>
+                <a:gd name="connsiteX10" fmla="*/ 37440 w 43256"/>
+                <a:gd name="connsiteY10" fmla="*/ 30111 h 43267"/>
+                <a:gd name="connsiteX11" fmla="*/ 35431 w 43256"/>
+                <a:gd name="connsiteY11" fmla="*/ 36008 h 43267"/>
+                <a:gd name="connsiteX12" fmla="*/ 28591 w 43256"/>
+                <a:gd name="connsiteY12" fmla="*/ 36722 h 43267"/>
+                <a:gd name="connsiteX13" fmla="*/ 23703 w 43256"/>
+                <a:gd name="connsiteY13" fmla="*/ 43013 h 43267"/>
+                <a:gd name="connsiteX14" fmla="*/ 16516 w 43256"/>
+                <a:gd name="connsiteY14" fmla="*/ 39173 h 43267"/>
+                <a:gd name="connsiteX15" fmla="*/ 5840 w 43256"/>
+                <a:gd name="connsiteY15" fmla="*/ 35379 h 43267"/>
+                <a:gd name="connsiteX16" fmla="*/ 1146 w 43256"/>
+                <a:gd name="connsiteY16" fmla="*/ 31157 h 43267"/>
+                <a:gd name="connsiteX17" fmla="*/ 2149 w 43256"/>
+                <a:gd name="connsiteY17" fmla="*/ 25458 h 43267"/>
+                <a:gd name="connsiteX18" fmla="*/ 31 w 43256"/>
+                <a:gd name="connsiteY18" fmla="*/ 19611 h 43267"/>
+                <a:gd name="connsiteX19" fmla="*/ 3899 w 43256"/>
+                <a:gd name="connsiteY19" fmla="*/ 14414 h 43267"/>
+                <a:gd name="connsiteX20" fmla="*/ 3936 w 43256"/>
+                <a:gd name="connsiteY20" fmla="*/ 14277 h 43267"/>
+                <a:gd name="connsiteX0" fmla="*/ 4729 w 43256"/>
+                <a:gd name="connsiteY0" fmla="*/ 26084 h 43267"/>
+                <a:gd name="connsiteX1" fmla="*/ 2196 w 43256"/>
+                <a:gd name="connsiteY1" fmla="*/ 25287 h 43267"/>
+                <a:gd name="connsiteX2" fmla="*/ 6964 w 43256"/>
+                <a:gd name="connsiteY2" fmla="*/ 34806 h 43267"/>
+                <a:gd name="connsiteX3" fmla="*/ 5856 w 43256"/>
+                <a:gd name="connsiteY3" fmla="*/ 35187 h 43267"/>
+                <a:gd name="connsiteX4" fmla="*/ 16514 w 43256"/>
+                <a:gd name="connsiteY4" fmla="*/ 38997 h 43267"/>
+                <a:gd name="connsiteX5" fmla="*/ 15846 w 43256"/>
+                <a:gd name="connsiteY5" fmla="*/ 37257 h 43267"/>
+                <a:gd name="connsiteX6" fmla="*/ 28863 w 43256"/>
+                <a:gd name="connsiteY6" fmla="*/ 34658 h 43267"/>
+                <a:gd name="connsiteX7" fmla="*/ 28596 w 43256"/>
+                <a:gd name="connsiteY7" fmla="*/ 36567 h 43267"/>
+                <a:gd name="connsiteX8" fmla="*/ 34165 w 43256"/>
+                <a:gd name="connsiteY8" fmla="*/ 22861 h 43267"/>
+                <a:gd name="connsiteX9" fmla="*/ 37416 w 43256"/>
+                <a:gd name="connsiteY9" fmla="*/ 29997 h 43267"/>
+                <a:gd name="connsiteX10" fmla="*/ 41834 w 43256"/>
+                <a:gd name="connsiteY10" fmla="*/ 15261 h 43267"/>
+                <a:gd name="connsiteX11" fmla="*/ 40386 w 43256"/>
+                <a:gd name="connsiteY11" fmla="*/ 17937 h 43267"/>
+                <a:gd name="connsiteX12" fmla="*/ 38360 w 43256"/>
+                <a:gd name="connsiteY12" fmla="*/ 5333 h 43267"/>
+                <a:gd name="connsiteX13" fmla="*/ 38436 w 43256"/>
+                <a:gd name="connsiteY13" fmla="*/ 6597 h 43267"/>
+                <a:gd name="connsiteX14" fmla="*/ 29114 w 43256"/>
+                <a:gd name="connsiteY14" fmla="*/ 3859 h 43267"/>
+                <a:gd name="connsiteX15" fmla="*/ 29856 w 43256"/>
+                <a:gd name="connsiteY15" fmla="*/ 2247 h 43267"/>
+                <a:gd name="connsiteX16" fmla="*/ 24952 w 43256"/>
+                <a:gd name="connsiteY16" fmla="*/ 3712 h 43267"/>
+                <a:gd name="connsiteX17" fmla="*/ 25191 w 43256"/>
+                <a:gd name="connsiteY17" fmla="*/ 7813 h 43267"/>
+                <a:gd name="connsiteX18" fmla="*/ 14036 w 43256"/>
+                <a:gd name="connsiteY18" fmla="*/ 5099 h 43267"/>
+                <a:gd name="connsiteX19" fmla="*/ 15336 w 43256"/>
+                <a:gd name="connsiteY19" fmla="*/ 6447 h 43267"/>
+                <a:gd name="connsiteX20" fmla="*/ 4163 w 43256"/>
+                <a:gd name="connsiteY20" fmla="*/ 15696 h 43267"/>
+                <a:gd name="connsiteX21" fmla="*/ 3936 w 43256"/>
+                <a:gd name="connsiteY21" fmla="*/ 14277 h 43267"/>
+                <a:gd name="connsiteX0" fmla="*/ 3936 w 43256"/>
+                <a:gd name="connsiteY0" fmla="*/ 14221 h 43211"/>
+                <a:gd name="connsiteX1" fmla="*/ 5659 w 43256"/>
+                <a:gd name="connsiteY1" fmla="*/ 6758 h 43211"/>
+                <a:gd name="connsiteX2" fmla="*/ 14041 w 43256"/>
+                <a:gd name="connsiteY2" fmla="*/ 5053 h 43211"/>
+                <a:gd name="connsiteX3" fmla="*/ 23010 w 43256"/>
+                <a:gd name="connsiteY3" fmla="*/ 134 h 43211"/>
+                <a:gd name="connsiteX4" fmla="*/ 29869 w 43256"/>
+                <a:gd name="connsiteY4" fmla="*/ 2332 h 43211"/>
+                <a:gd name="connsiteX5" fmla="*/ 35499 w 43256"/>
+                <a:gd name="connsiteY5" fmla="*/ 541 h 43211"/>
+                <a:gd name="connsiteX6" fmla="*/ 38354 w 43256"/>
+                <a:gd name="connsiteY6" fmla="*/ 5427 h 43211"/>
+                <a:gd name="connsiteX7" fmla="*/ 42018 w 43256"/>
+                <a:gd name="connsiteY7" fmla="*/ 10169 h 43211"/>
+                <a:gd name="connsiteX8" fmla="*/ 41854 w 43256"/>
+                <a:gd name="connsiteY8" fmla="*/ 15311 h 43211"/>
+                <a:gd name="connsiteX9" fmla="*/ 43052 w 43256"/>
+                <a:gd name="connsiteY9" fmla="*/ 23173 h 43211"/>
+                <a:gd name="connsiteX10" fmla="*/ 37440 w 43256"/>
+                <a:gd name="connsiteY10" fmla="*/ 30055 h 43211"/>
+                <a:gd name="connsiteX11" fmla="*/ 35431 w 43256"/>
+                <a:gd name="connsiteY11" fmla="*/ 35952 h 43211"/>
+                <a:gd name="connsiteX12" fmla="*/ 28591 w 43256"/>
+                <a:gd name="connsiteY12" fmla="*/ 36666 h 43211"/>
+                <a:gd name="connsiteX13" fmla="*/ 23703 w 43256"/>
+                <a:gd name="connsiteY13" fmla="*/ 42957 h 43211"/>
+                <a:gd name="connsiteX14" fmla="*/ 16516 w 43256"/>
+                <a:gd name="connsiteY14" fmla="*/ 39117 h 43211"/>
+                <a:gd name="connsiteX15" fmla="*/ 5840 w 43256"/>
+                <a:gd name="connsiteY15" fmla="*/ 35323 h 43211"/>
+                <a:gd name="connsiteX16" fmla="*/ 1146 w 43256"/>
+                <a:gd name="connsiteY16" fmla="*/ 31101 h 43211"/>
+                <a:gd name="connsiteX17" fmla="*/ 2149 w 43256"/>
+                <a:gd name="connsiteY17" fmla="*/ 25402 h 43211"/>
+                <a:gd name="connsiteX18" fmla="*/ 31 w 43256"/>
+                <a:gd name="connsiteY18" fmla="*/ 19555 h 43211"/>
+                <a:gd name="connsiteX19" fmla="*/ 3899 w 43256"/>
+                <a:gd name="connsiteY19" fmla="*/ 14358 h 43211"/>
+                <a:gd name="connsiteX20" fmla="*/ 3936 w 43256"/>
+                <a:gd name="connsiteY20" fmla="*/ 14221 h 43211"/>
+                <a:gd name="connsiteX0" fmla="*/ 4729 w 43256"/>
+                <a:gd name="connsiteY0" fmla="*/ 26028 h 43211"/>
+                <a:gd name="connsiteX1" fmla="*/ 2196 w 43256"/>
+                <a:gd name="connsiteY1" fmla="*/ 25231 h 43211"/>
+                <a:gd name="connsiteX2" fmla="*/ 6964 w 43256"/>
+                <a:gd name="connsiteY2" fmla="*/ 34750 h 43211"/>
+                <a:gd name="connsiteX3" fmla="*/ 5856 w 43256"/>
+                <a:gd name="connsiteY3" fmla="*/ 35131 h 43211"/>
+                <a:gd name="connsiteX4" fmla="*/ 16514 w 43256"/>
+                <a:gd name="connsiteY4" fmla="*/ 38941 h 43211"/>
+                <a:gd name="connsiteX5" fmla="*/ 15846 w 43256"/>
+                <a:gd name="connsiteY5" fmla="*/ 37201 h 43211"/>
+                <a:gd name="connsiteX6" fmla="*/ 28863 w 43256"/>
+                <a:gd name="connsiteY6" fmla="*/ 34602 h 43211"/>
+                <a:gd name="connsiteX7" fmla="*/ 28596 w 43256"/>
+                <a:gd name="connsiteY7" fmla="*/ 36511 h 43211"/>
+                <a:gd name="connsiteX8" fmla="*/ 34165 w 43256"/>
+                <a:gd name="connsiteY8" fmla="*/ 22805 h 43211"/>
+                <a:gd name="connsiteX9" fmla="*/ 37416 w 43256"/>
+                <a:gd name="connsiteY9" fmla="*/ 29941 h 43211"/>
+                <a:gd name="connsiteX10" fmla="*/ 41834 w 43256"/>
+                <a:gd name="connsiteY10" fmla="*/ 15205 h 43211"/>
+                <a:gd name="connsiteX11" fmla="*/ 40386 w 43256"/>
+                <a:gd name="connsiteY11" fmla="*/ 17881 h 43211"/>
+                <a:gd name="connsiteX12" fmla="*/ 38360 w 43256"/>
+                <a:gd name="connsiteY12" fmla="*/ 5277 h 43211"/>
+                <a:gd name="connsiteX13" fmla="*/ 38436 w 43256"/>
+                <a:gd name="connsiteY13" fmla="*/ 6541 h 43211"/>
+                <a:gd name="connsiteX14" fmla="*/ 29114 w 43256"/>
+                <a:gd name="connsiteY14" fmla="*/ 3803 h 43211"/>
+                <a:gd name="connsiteX15" fmla="*/ 29856 w 43256"/>
+                <a:gd name="connsiteY15" fmla="*/ 2191 h 43211"/>
+                <a:gd name="connsiteX16" fmla="*/ 24952 w 43256"/>
+                <a:gd name="connsiteY16" fmla="*/ 3656 h 43211"/>
+                <a:gd name="connsiteX17" fmla="*/ 25191 w 43256"/>
+                <a:gd name="connsiteY17" fmla="*/ 7757 h 43211"/>
+                <a:gd name="connsiteX18" fmla="*/ 14036 w 43256"/>
+                <a:gd name="connsiteY18" fmla="*/ 5043 h 43211"/>
+                <a:gd name="connsiteX19" fmla="*/ 15336 w 43256"/>
+                <a:gd name="connsiteY19" fmla="*/ 6391 h 43211"/>
+                <a:gd name="connsiteX20" fmla="*/ 4163 w 43256"/>
+                <a:gd name="connsiteY20" fmla="*/ 15640 h 43211"/>
+                <a:gd name="connsiteX21" fmla="*/ 3936 w 43256"/>
+                <a:gd name="connsiteY21" fmla="*/ 14221 h 43211"/>
+                <a:gd name="connsiteX0" fmla="*/ 3936 w 43256"/>
+                <a:gd name="connsiteY0" fmla="*/ 14201 h 43191"/>
+                <a:gd name="connsiteX1" fmla="*/ 5659 w 43256"/>
+                <a:gd name="connsiteY1" fmla="*/ 6738 h 43191"/>
+                <a:gd name="connsiteX2" fmla="*/ 14041 w 43256"/>
+                <a:gd name="connsiteY2" fmla="*/ 5033 h 43191"/>
+                <a:gd name="connsiteX3" fmla="*/ 23010 w 43256"/>
+                <a:gd name="connsiteY3" fmla="*/ 114 h 43191"/>
+                <a:gd name="connsiteX4" fmla="*/ 29869 w 43256"/>
+                <a:gd name="connsiteY4" fmla="*/ 2312 h 43191"/>
+                <a:gd name="connsiteX5" fmla="*/ 35740 w 43256"/>
+                <a:gd name="connsiteY5" fmla="*/ 3682 h 43191"/>
+                <a:gd name="connsiteX6" fmla="*/ 38354 w 43256"/>
+                <a:gd name="connsiteY6" fmla="*/ 5407 h 43191"/>
+                <a:gd name="connsiteX7" fmla="*/ 42018 w 43256"/>
+                <a:gd name="connsiteY7" fmla="*/ 10149 h 43191"/>
+                <a:gd name="connsiteX8" fmla="*/ 41854 w 43256"/>
+                <a:gd name="connsiteY8" fmla="*/ 15291 h 43191"/>
+                <a:gd name="connsiteX9" fmla="*/ 43052 w 43256"/>
+                <a:gd name="connsiteY9" fmla="*/ 23153 h 43191"/>
+                <a:gd name="connsiteX10" fmla="*/ 37440 w 43256"/>
+                <a:gd name="connsiteY10" fmla="*/ 30035 h 43191"/>
+                <a:gd name="connsiteX11" fmla="*/ 35431 w 43256"/>
+                <a:gd name="connsiteY11" fmla="*/ 35932 h 43191"/>
+                <a:gd name="connsiteX12" fmla="*/ 28591 w 43256"/>
+                <a:gd name="connsiteY12" fmla="*/ 36646 h 43191"/>
+                <a:gd name="connsiteX13" fmla="*/ 23703 w 43256"/>
+                <a:gd name="connsiteY13" fmla="*/ 42937 h 43191"/>
+                <a:gd name="connsiteX14" fmla="*/ 16516 w 43256"/>
+                <a:gd name="connsiteY14" fmla="*/ 39097 h 43191"/>
+                <a:gd name="connsiteX15" fmla="*/ 5840 w 43256"/>
+                <a:gd name="connsiteY15" fmla="*/ 35303 h 43191"/>
+                <a:gd name="connsiteX16" fmla="*/ 1146 w 43256"/>
+                <a:gd name="connsiteY16" fmla="*/ 31081 h 43191"/>
+                <a:gd name="connsiteX17" fmla="*/ 2149 w 43256"/>
+                <a:gd name="connsiteY17" fmla="*/ 25382 h 43191"/>
+                <a:gd name="connsiteX18" fmla="*/ 31 w 43256"/>
+                <a:gd name="connsiteY18" fmla="*/ 19535 h 43191"/>
+                <a:gd name="connsiteX19" fmla="*/ 3899 w 43256"/>
+                <a:gd name="connsiteY19" fmla="*/ 14338 h 43191"/>
+                <a:gd name="connsiteX20" fmla="*/ 3936 w 43256"/>
+                <a:gd name="connsiteY20" fmla="*/ 14201 h 43191"/>
+                <a:gd name="connsiteX0" fmla="*/ 4729 w 43256"/>
+                <a:gd name="connsiteY0" fmla="*/ 26008 h 43191"/>
+                <a:gd name="connsiteX1" fmla="*/ 2196 w 43256"/>
+                <a:gd name="connsiteY1" fmla="*/ 25211 h 43191"/>
+                <a:gd name="connsiteX2" fmla="*/ 6964 w 43256"/>
+                <a:gd name="connsiteY2" fmla="*/ 34730 h 43191"/>
+                <a:gd name="connsiteX3" fmla="*/ 5856 w 43256"/>
+                <a:gd name="connsiteY3" fmla="*/ 35111 h 43191"/>
+                <a:gd name="connsiteX4" fmla="*/ 16514 w 43256"/>
+                <a:gd name="connsiteY4" fmla="*/ 38921 h 43191"/>
+                <a:gd name="connsiteX5" fmla="*/ 15846 w 43256"/>
+                <a:gd name="connsiteY5" fmla="*/ 37181 h 43191"/>
+                <a:gd name="connsiteX6" fmla="*/ 28863 w 43256"/>
+                <a:gd name="connsiteY6" fmla="*/ 34582 h 43191"/>
+                <a:gd name="connsiteX7" fmla="*/ 28596 w 43256"/>
+                <a:gd name="connsiteY7" fmla="*/ 36491 h 43191"/>
+                <a:gd name="connsiteX8" fmla="*/ 34165 w 43256"/>
+                <a:gd name="connsiteY8" fmla="*/ 22785 h 43191"/>
+                <a:gd name="connsiteX9" fmla="*/ 37416 w 43256"/>
+                <a:gd name="connsiteY9" fmla="*/ 29921 h 43191"/>
+                <a:gd name="connsiteX10" fmla="*/ 41834 w 43256"/>
+                <a:gd name="connsiteY10" fmla="*/ 15185 h 43191"/>
+                <a:gd name="connsiteX11" fmla="*/ 40386 w 43256"/>
+                <a:gd name="connsiteY11" fmla="*/ 17861 h 43191"/>
+                <a:gd name="connsiteX12" fmla="*/ 38360 w 43256"/>
+                <a:gd name="connsiteY12" fmla="*/ 5257 h 43191"/>
+                <a:gd name="connsiteX13" fmla="*/ 38436 w 43256"/>
+                <a:gd name="connsiteY13" fmla="*/ 6521 h 43191"/>
+                <a:gd name="connsiteX14" fmla="*/ 29114 w 43256"/>
+                <a:gd name="connsiteY14" fmla="*/ 3783 h 43191"/>
+                <a:gd name="connsiteX15" fmla="*/ 29856 w 43256"/>
+                <a:gd name="connsiteY15" fmla="*/ 2171 h 43191"/>
+                <a:gd name="connsiteX16" fmla="*/ 24952 w 43256"/>
+                <a:gd name="connsiteY16" fmla="*/ 3636 h 43191"/>
+                <a:gd name="connsiteX17" fmla="*/ 25191 w 43256"/>
+                <a:gd name="connsiteY17" fmla="*/ 7737 h 43191"/>
+                <a:gd name="connsiteX18" fmla="*/ 14036 w 43256"/>
+                <a:gd name="connsiteY18" fmla="*/ 5023 h 43191"/>
+                <a:gd name="connsiteX19" fmla="*/ 15336 w 43256"/>
+                <a:gd name="connsiteY19" fmla="*/ 6371 h 43191"/>
+                <a:gd name="connsiteX20" fmla="*/ 4163 w 43256"/>
+                <a:gd name="connsiteY20" fmla="*/ 15620 h 43191"/>
+                <a:gd name="connsiteX21" fmla="*/ 3936 w 43256"/>
+                <a:gd name="connsiteY21" fmla="*/ 14201 h 43191"/>
+                <a:gd name="connsiteX0" fmla="*/ 3936 w 43256"/>
+                <a:gd name="connsiteY0" fmla="*/ 14201 h 43191"/>
+                <a:gd name="connsiteX1" fmla="*/ 5659 w 43256"/>
+                <a:gd name="connsiteY1" fmla="*/ 6738 h 43191"/>
+                <a:gd name="connsiteX2" fmla="*/ 14041 w 43256"/>
+                <a:gd name="connsiteY2" fmla="*/ 5033 h 43191"/>
+                <a:gd name="connsiteX3" fmla="*/ 23010 w 43256"/>
+                <a:gd name="connsiteY3" fmla="*/ 114 h 43191"/>
+                <a:gd name="connsiteX4" fmla="*/ 29869 w 43256"/>
+                <a:gd name="connsiteY4" fmla="*/ 2312 h 43191"/>
+                <a:gd name="connsiteX5" fmla="*/ 35740 w 43256"/>
+                <a:gd name="connsiteY5" fmla="*/ 3682 h 43191"/>
+                <a:gd name="connsiteX6" fmla="*/ 38354 w 43256"/>
+                <a:gd name="connsiteY6" fmla="*/ 5407 h 43191"/>
+                <a:gd name="connsiteX7" fmla="*/ 42018 w 43256"/>
+                <a:gd name="connsiteY7" fmla="*/ 10149 h 43191"/>
+                <a:gd name="connsiteX8" fmla="*/ 41854 w 43256"/>
+                <a:gd name="connsiteY8" fmla="*/ 15291 h 43191"/>
+                <a:gd name="connsiteX9" fmla="*/ 43052 w 43256"/>
+                <a:gd name="connsiteY9" fmla="*/ 23153 h 43191"/>
+                <a:gd name="connsiteX10" fmla="*/ 37440 w 43256"/>
+                <a:gd name="connsiteY10" fmla="*/ 30035 h 43191"/>
+                <a:gd name="connsiteX11" fmla="*/ 35431 w 43256"/>
+                <a:gd name="connsiteY11" fmla="*/ 35932 h 43191"/>
+                <a:gd name="connsiteX12" fmla="*/ 28591 w 43256"/>
+                <a:gd name="connsiteY12" fmla="*/ 36646 h 43191"/>
+                <a:gd name="connsiteX13" fmla="*/ 23703 w 43256"/>
+                <a:gd name="connsiteY13" fmla="*/ 42937 h 43191"/>
+                <a:gd name="connsiteX14" fmla="*/ 16516 w 43256"/>
+                <a:gd name="connsiteY14" fmla="*/ 39097 h 43191"/>
+                <a:gd name="connsiteX15" fmla="*/ 5840 w 43256"/>
+                <a:gd name="connsiteY15" fmla="*/ 35303 h 43191"/>
+                <a:gd name="connsiteX16" fmla="*/ 1146 w 43256"/>
+                <a:gd name="connsiteY16" fmla="*/ 31081 h 43191"/>
+                <a:gd name="connsiteX17" fmla="*/ 2149 w 43256"/>
+                <a:gd name="connsiteY17" fmla="*/ 25382 h 43191"/>
+                <a:gd name="connsiteX18" fmla="*/ 31 w 43256"/>
+                <a:gd name="connsiteY18" fmla="*/ 19535 h 43191"/>
+                <a:gd name="connsiteX19" fmla="*/ 3899 w 43256"/>
+                <a:gd name="connsiteY19" fmla="*/ 14338 h 43191"/>
+                <a:gd name="connsiteX20" fmla="*/ 3936 w 43256"/>
+                <a:gd name="connsiteY20" fmla="*/ 14201 h 43191"/>
+                <a:gd name="connsiteX0" fmla="*/ 4729 w 43256"/>
+                <a:gd name="connsiteY0" fmla="*/ 26008 h 43191"/>
+                <a:gd name="connsiteX1" fmla="*/ 2196 w 43256"/>
+                <a:gd name="connsiteY1" fmla="*/ 25211 h 43191"/>
+                <a:gd name="connsiteX2" fmla="*/ 6964 w 43256"/>
+                <a:gd name="connsiteY2" fmla="*/ 34730 h 43191"/>
+                <a:gd name="connsiteX3" fmla="*/ 5856 w 43256"/>
+                <a:gd name="connsiteY3" fmla="*/ 35111 h 43191"/>
+                <a:gd name="connsiteX4" fmla="*/ 16514 w 43256"/>
+                <a:gd name="connsiteY4" fmla="*/ 38921 h 43191"/>
+                <a:gd name="connsiteX5" fmla="*/ 15846 w 43256"/>
+                <a:gd name="connsiteY5" fmla="*/ 37181 h 43191"/>
+                <a:gd name="connsiteX6" fmla="*/ 28863 w 43256"/>
+                <a:gd name="connsiteY6" fmla="*/ 34582 h 43191"/>
+                <a:gd name="connsiteX7" fmla="*/ 28596 w 43256"/>
+                <a:gd name="connsiteY7" fmla="*/ 36491 h 43191"/>
+                <a:gd name="connsiteX8" fmla="*/ 34165 w 43256"/>
+                <a:gd name="connsiteY8" fmla="*/ 22785 h 43191"/>
+                <a:gd name="connsiteX9" fmla="*/ 37416 w 43256"/>
+                <a:gd name="connsiteY9" fmla="*/ 29921 h 43191"/>
+                <a:gd name="connsiteX10" fmla="*/ 41834 w 43256"/>
+                <a:gd name="connsiteY10" fmla="*/ 15185 h 43191"/>
+                <a:gd name="connsiteX11" fmla="*/ 40386 w 43256"/>
+                <a:gd name="connsiteY11" fmla="*/ 17861 h 43191"/>
+                <a:gd name="connsiteX12" fmla="*/ 38360 w 43256"/>
+                <a:gd name="connsiteY12" fmla="*/ 5257 h 43191"/>
+                <a:gd name="connsiteX13" fmla="*/ 38436 w 43256"/>
+                <a:gd name="connsiteY13" fmla="*/ 6521 h 43191"/>
+                <a:gd name="connsiteX14" fmla="*/ 29114 w 43256"/>
+                <a:gd name="connsiteY14" fmla="*/ 3783 h 43191"/>
+                <a:gd name="connsiteX15" fmla="*/ 29856 w 43256"/>
+                <a:gd name="connsiteY15" fmla="*/ 2171 h 43191"/>
+                <a:gd name="connsiteX16" fmla="*/ 24952 w 43256"/>
+                <a:gd name="connsiteY16" fmla="*/ 3636 h 43191"/>
+                <a:gd name="connsiteX17" fmla="*/ 25191 w 43256"/>
+                <a:gd name="connsiteY17" fmla="*/ 7737 h 43191"/>
+                <a:gd name="connsiteX18" fmla="*/ 14036 w 43256"/>
+                <a:gd name="connsiteY18" fmla="*/ 5023 h 43191"/>
+                <a:gd name="connsiteX19" fmla="*/ 17870 w 43256"/>
+                <a:gd name="connsiteY19" fmla="*/ 5705 h 43191"/>
+                <a:gd name="connsiteX20" fmla="*/ 4163 w 43256"/>
+                <a:gd name="connsiteY20" fmla="*/ 15620 h 43191"/>
+                <a:gd name="connsiteX21" fmla="*/ 3936 w 43256"/>
+                <a:gd name="connsiteY21" fmla="*/ 14201 h 43191"/>
+                <a:gd name="connsiteX0" fmla="*/ 3936 w 43256"/>
+                <a:gd name="connsiteY0" fmla="*/ 14201 h 43191"/>
+                <a:gd name="connsiteX1" fmla="*/ 5659 w 43256"/>
+                <a:gd name="connsiteY1" fmla="*/ 6738 h 43191"/>
+                <a:gd name="connsiteX2" fmla="*/ 14041 w 43256"/>
+                <a:gd name="connsiteY2" fmla="*/ 5033 h 43191"/>
+                <a:gd name="connsiteX3" fmla="*/ 23010 w 43256"/>
+                <a:gd name="connsiteY3" fmla="*/ 114 h 43191"/>
+                <a:gd name="connsiteX4" fmla="*/ 29869 w 43256"/>
+                <a:gd name="connsiteY4" fmla="*/ 2312 h 43191"/>
+                <a:gd name="connsiteX5" fmla="*/ 35740 w 43256"/>
+                <a:gd name="connsiteY5" fmla="*/ 3682 h 43191"/>
+                <a:gd name="connsiteX6" fmla="*/ 38354 w 43256"/>
+                <a:gd name="connsiteY6" fmla="*/ 5407 h 43191"/>
+                <a:gd name="connsiteX7" fmla="*/ 42018 w 43256"/>
+                <a:gd name="connsiteY7" fmla="*/ 10149 h 43191"/>
+                <a:gd name="connsiteX8" fmla="*/ 41854 w 43256"/>
+                <a:gd name="connsiteY8" fmla="*/ 15291 h 43191"/>
+                <a:gd name="connsiteX9" fmla="*/ 43052 w 43256"/>
+                <a:gd name="connsiteY9" fmla="*/ 23153 h 43191"/>
+                <a:gd name="connsiteX10" fmla="*/ 37440 w 43256"/>
+                <a:gd name="connsiteY10" fmla="*/ 30035 h 43191"/>
+                <a:gd name="connsiteX11" fmla="*/ 35431 w 43256"/>
+                <a:gd name="connsiteY11" fmla="*/ 35932 h 43191"/>
+                <a:gd name="connsiteX12" fmla="*/ 28591 w 43256"/>
+                <a:gd name="connsiteY12" fmla="*/ 36646 h 43191"/>
+                <a:gd name="connsiteX13" fmla="*/ 23703 w 43256"/>
+                <a:gd name="connsiteY13" fmla="*/ 42937 h 43191"/>
+                <a:gd name="connsiteX14" fmla="*/ 16516 w 43256"/>
+                <a:gd name="connsiteY14" fmla="*/ 39097 h 43191"/>
+                <a:gd name="connsiteX15" fmla="*/ 5840 w 43256"/>
+                <a:gd name="connsiteY15" fmla="*/ 35303 h 43191"/>
+                <a:gd name="connsiteX16" fmla="*/ 1146 w 43256"/>
+                <a:gd name="connsiteY16" fmla="*/ 31081 h 43191"/>
+                <a:gd name="connsiteX17" fmla="*/ 2149 w 43256"/>
+                <a:gd name="connsiteY17" fmla="*/ 25382 h 43191"/>
+                <a:gd name="connsiteX18" fmla="*/ 31 w 43256"/>
+                <a:gd name="connsiteY18" fmla="*/ 19535 h 43191"/>
+                <a:gd name="connsiteX19" fmla="*/ 3899 w 43256"/>
+                <a:gd name="connsiteY19" fmla="*/ 14338 h 43191"/>
+                <a:gd name="connsiteX20" fmla="*/ 3936 w 43256"/>
+                <a:gd name="connsiteY20" fmla="*/ 14201 h 43191"/>
+                <a:gd name="connsiteX0" fmla="*/ 4729 w 43256"/>
+                <a:gd name="connsiteY0" fmla="*/ 26008 h 43191"/>
+                <a:gd name="connsiteX1" fmla="*/ 2196 w 43256"/>
+                <a:gd name="connsiteY1" fmla="*/ 25211 h 43191"/>
+                <a:gd name="connsiteX2" fmla="*/ 6964 w 43256"/>
+                <a:gd name="connsiteY2" fmla="*/ 34730 h 43191"/>
+                <a:gd name="connsiteX3" fmla="*/ 5856 w 43256"/>
+                <a:gd name="connsiteY3" fmla="*/ 35111 h 43191"/>
+                <a:gd name="connsiteX4" fmla="*/ 16514 w 43256"/>
+                <a:gd name="connsiteY4" fmla="*/ 38921 h 43191"/>
+                <a:gd name="connsiteX5" fmla="*/ 15846 w 43256"/>
+                <a:gd name="connsiteY5" fmla="*/ 37181 h 43191"/>
+                <a:gd name="connsiteX6" fmla="*/ 28863 w 43256"/>
+                <a:gd name="connsiteY6" fmla="*/ 34582 h 43191"/>
+                <a:gd name="connsiteX7" fmla="*/ 28596 w 43256"/>
+                <a:gd name="connsiteY7" fmla="*/ 36491 h 43191"/>
+                <a:gd name="connsiteX8" fmla="*/ 34165 w 43256"/>
+                <a:gd name="connsiteY8" fmla="*/ 22785 h 43191"/>
+                <a:gd name="connsiteX9" fmla="*/ 37416 w 43256"/>
+                <a:gd name="connsiteY9" fmla="*/ 29921 h 43191"/>
+                <a:gd name="connsiteX10" fmla="*/ 41834 w 43256"/>
+                <a:gd name="connsiteY10" fmla="*/ 15185 h 43191"/>
+                <a:gd name="connsiteX11" fmla="*/ 40386 w 43256"/>
+                <a:gd name="connsiteY11" fmla="*/ 17861 h 43191"/>
+                <a:gd name="connsiteX12" fmla="*/ 38360 w 43256"/>
+                <a:gd name="connsiteY12" fmla="*/ 5257 h 43191"/>
+                <a:gd name="connsiteX13" fmla="*/ 38436 w 43256"/>
+                <a:gd name="connsiteY13" fmla="*/ 6521 h 43191"/>
+                <a:gd name="connsiteX14" fmla="*/ 29114 w 43256"/>
+                <a:gd name="connsiteY14" fmla="*/ 3783 h 43191"/>
+                <a:gd name="connsiteX15" fmla="*/ 29856 w 43256"/>
+                <a:gd name="connsiteY15" fmla="*/ 2171 h 43191"/>
+                <a:gd name="connsiteX16" fmla="*/ 24952 w 43256"/>
+                <a:gd name="connsiteY16" fmla="*/ 3636 h 43191"/>
+                <a:gd name="connsiteX17" fmla="*/ 25191 w 43256"/>
+                <a:gd name="connsiteY17" fmla="*/ 7737 h 43191"/>
+                <a:gd name="connsiteX18" fmla="*/ 16691 w 43256"/>
+                <a:gd name="connsiteY18" fmla="*/ 4191 h 43191"/>
+                <a:gd name="connsiteX19" fmla="*/ 17870 w 43256"/>
+                <a:gd name="connsiteY19" fmla="*/ 5705 h 43191"/>
+                <a:gd name="connsiteX20" fmla="*/ 4163 w 43256"/>
+                <a:gd name="connsiteY20" fmla="*/ 15620 h 43191"/>
+                <a:gd name="connsiteX21" fmla="*/ 3936 w 43256"/>
+                <a:gd name="connsiteY21" fmla="*/ 14201 h 43191"/>
+                <a:gd name="connsiteX0" fmla="*/ 3936 w 43256"/>
+                <a:gd name="connsiteY0" fmla="*/ 14100 h 43090"/>
+                <a:gd name="connsiteX1" fmla="*/ 5659 w 43256"/>
+                <a:gd name="connsiteY1" fmla="*/ 6637 h 43090"/>
+                <a:gd name="connsiteX2" fmla="*/ 16213 w 43256"/>
+                <a:gd name="connsiteY2" fmla="*/ 2852 h 43090"/>
+                <a:gd name="connsiteX3" fmla="*/ 23010 w 43256"/>
+                <a:gd name="connsiteY3" fmla="*/ 13 h 43090"/>
+                <a:gd name="connsiteX4" fmla="*/ 29869 w 43256"/>
+                <a:gd name="connsiteY4" fmla="*/ 2211 h 43090"/>
+                <a:gd name="connsiteX5" fmla="*/ 35740 w 43256"/>
+                <a:gd name="connsiteY5" fmla="*/ 3581 h 43090"/>
+                <a:gd name="connsiteX6" fmla="*/ 38354 w 43256"/>
+                <a:gd name="connsiteY6" fmla="*/ 5306 h 43090"/>
+                <a:gd name="connsiteX7" fmla="*/ 42018 w 43256"/>
+                <a:gd name="connsiteY7" fmla="*/ 10048 h 43090"/>
+                <a:gd name="connsiteX8" fmla="*/ 41854 w 43256"/>
+                <a:gd name="connsiteY8" fmla="*/ 15190 h 43090"/>
+                <a:gd name="connsiteX9" fmla="*/ 43052 w 43256"/>
+                <a:gd name="connsiteY9" fmla="*/ 23052 h 43090"/>
+                <a:gd name="connsiteX10" fmla="*/ 37440 w 43256"/>
+                <a:gd name="connsiteY10" fmla="*/ 29934 h 43090"/>
+                <a:gd name="connsiteX11" fmla="*/ 35431 w 43256"/>
+                <a:gd name="connsiteY11" fmla="*/ 35831 h 43090"/>
+                <a:gd name="connsiteX12" fmla="*/ 28591 w 43256"/>
+                <a:gd name="connsiteY12" fmla="*/ 36545 h 43090"/>
+                <a:gd name="connsiteX13" fmla="*/ 23703 w 43256"/>
+                <a:gd name="connsiteY13" fmla="*/ 42836 h 43090"/>
+                <a:gd name="connsiteX14" fmla="*/ 16516 w 43256"/>
+                <a:gd name="connsiteY14" fmla="*/ 38996 h 43090"/>
+                <a:gd name="connsiteX15" fmla="*/ 5840 w 43256"/>
+                <a:gd name="connsiteY15" fmla="*/ 35202 h 43090"/>
+                <a:gd name="connsiteX16" fmla="*/ 1146 w 43256"/>
+                <a:gd name="connsiteY16" fmla="*/ 30980 h 43090"/>
+                <a:gd name="connsiteX17" fmla="*/ 2149 w 43256"/>
+                <a:gd name="connsiteY17" fmla="*/ 25281 h 43090"/>
+                <a:gd name="connsiteX18" fmla="*/ 31 w 43256"/>
+                <a:gd name="connsiteY18" fmla="*/ 19434 h 43090"/>
+                <a:gd name="connsiteX19" fmla="*/ 3899 w 43256"/>
+                <a:gd name="connsiteY19" fmla="*/ 14237 h 43090"/>
+                <a:gd name="connsiteX20" fmla="*/ 3936 w 43256"/>
+                <a:gd name="connsiteY20" fmla="*/ 14100 h 43090"/>
+                <a:gd name="connsiteX0" fmla="*/ 4729 w 43256"/>
+                <a:gd name="connsiteY0" fmla="*/ 25907 h 43090"/>
+                <a:gd name="connsiteX1" fmla="*/ 2196 w 43256"/>
+                <a:gd name="connsiteY1" fmla="*/ 25110 h 43090"/>
+                <a:gd name="connsiteX2" fmla="*/ 6964 w 43256"/>
+                <a:gd name="connsiteY2" fmla="*/ 34629 h 43090"/>
+                <a:gd name="connsiteX3" fmla="*/ 5856 w 43256"/>
+                <a:gd name="connsiteY3" fmla="*/ 35010 h 43090"/>
+                <a:gd name="connsiteX4" fmla="*/ 16514 w 43256"/>
+                <a:gd name="connsiteY4" fmla="*/ 38820 h 43090"/>
+                <a:gd name="connsiteX5" fmla="*/ 15846 w 43256"/>
+                <a:gd name="connsiteY5" fmla="*/ 37080 h 43090"/>
+                <a:gd name="connsiteX6" fmla="*/ 28863 w 43256"/>
+                <a:gd name="connsiteY6" fmla="*/ 34481 h 43090"/>
+                <a:gd name="connsiteX7" fmla="*/ 28596 w 43256"/>
+                <a:gd name="connsiteY7" fmla="*/ 36390 h 43090"/>
+                <a:gd name="connsiteX8" fmla="*/ 34165 w 43256"/>
+                <a:gd name="connsiteY8" fmla="*/ 22684 h 43090"/>
+                <a:gd name="connsiteX9" fmla="*/ 37416 w 43256"/>
+                <a:gd name="connsiteY9" fmla="*/ 29820 h 43090"/>
+                <a:gd name="connsiteX10" fmla="*/ 41834 w 43256"/>
+                <a:gd name="connsiteY10" fmla="*/ 15084 h 43090"/>
+                <a:gd name="connsiteX11" fmla="*/ 40386 w 43256"/>
+                <a:gd name="connsiteY11" fmla="*/ 17760 h 43090"/>
+                <a:gd name="connsiteX12" fmla="*/ 38360 w 43256"/>
+                <a:gd name="connsiteY12" fmla="*/ 5156 h 43090"/>
+                <a:gd name="connsiteX13" fmla="*/ 38436 w 43256"/>
+                <a:gd name="connsiteY13" fmla="*/ 6420 h 43090"/>
+                <a:gd name="connsiteX14" fmla="*/ 29114 w 43256"/>
+                <a:gd name="connsiteY14" fmla="*/ 3682 h 43090"/>
+                <a:gd name="connsiteX15" fmla="*/ 29856 w 43256"/>
+                <a:gd name="connsiteY15" fmla="*/ 2070 h 43090"/>
+                <a:gd name="connsiteX16" fmla="*/ 24952 w 43256"/>
+                <a:gd name="connsiteY16" fmla="*/ 3535 h 43090"/>
+                <a:gd name="connsiteX17" fmla="*/ 25191 w 43256"/>
+                <a:gd name="connsiteY17" fmla="*/ 7636 h 43090"/>
+                <a:gd name="connsiteX18" fmla="*/ 16691 w 43256"/>
+                <a:gd name="connsiteY18" fmla="*/ 4090 h 43090"/>
+                <a:gd name="connsiteX19" fmla="*/ 17870 w 43256"/>
+                <a:gd name="connsiteY19" fmla="*/ 5604 h 43090"/>
+                <a:gd name="connsiteX20" fmla="*/ 4163 w 43256"/>
+                <a:gd name="connsiteY20" fmla="*/ 15519 h 43090"/>
+                <a:gd name="connsiteX21" fmla="*/ 3936 w 43256"/>
+                <a:gd name="connsiteY21" fmla="*/ 14100 h 43090"/>
+                <a:gd name="connsiteX0" fmla="*/ 3936 w 43256"/>
+                <a:gd name="connsiteY0" fmla="*/ 14100 h 43090"/>
+                <a:gd name="connsiteX1" fmla="*/ 5659 w 43256"/>
+                <a:gd name="connsiteY1" fmla="*/ 6637 h 43090"/>
+                <a:gd name="connsiteX2" fmla="*/ 16213 w 43256"/>
+                <a:gd name="connsiteY2" fmla="*/ 2852 h 43090"/>
+                <a:gd name="connsiteX3" fmla="*/ 23010 w 43256"/>
+                <a:gd name="connsiteY3" fmla="*/ 13 h 43090"/>
+                <a:gd name="connsiteX4" fmla="*/ 29869 w 43256"/>
+                <a:gd name="connsiteY4" fmla="*/ 2211 h 43090"/>
+                <a:gd name="connsiteX5" fmla="*/ 35740 w 43256"/>
+                <a:gd name="connsiteY5" fmla="*/ 3581 h 43090"/>
+                <a:gd name="connsiteX6" fmla="*/ 38354 w 43256"/>
+                <a:gd name="connsiteY6" fmla="*/ 5306 h 43090"/>
+                <a:gd name="connsiteX7" fmla="*/ 42018 w 43256"/>
+                <a:gd name="connsiteY7" fmla="*/ 10048 h 43090"/>
+                <a:gd name="connsiteX8" fmla="*/ 41854 w 43256"/>
+                <a:gd name="connsiteY8" fmla="*/ 15190 h 43090"/>
+                <a:gd name="connsiteX9" fmla="*/ 43052 w 43256"/>
+                <a:gd name="connsiteY9" fmla="*/ 23052 h 43090"/>
+                <a:gd name="connsiteX10" fmla="*/ 37440 w 43256"/>
+                <a:gd name="connsiteY10" fmla="*/ 29934 h 43090"/>
+                <a:gd name="connsiteX11" fmla="*/ 35431 w 43256"/>
+                <a:gd name="connsiteY11" fmla="*/ 35831 h 43090"/>
+                <a:gd name="connsiteX12" fmla="*/ 28591 w 43256"/>
+                <a:gd name="connsiteY12" fmla="*/ 36545 h 43090"/>
+                <a:gd name="connsiteX13" fmla="*/ 23703 w 43256"/>
+                <a:gd name="connsiteY13" fmla="*/ 42836 h 43090"/>
+                <a:gd name="connsiteX14" fmla="*/ 16516 w 43256"/>
+                <a:gd name="connsiteY14" fmla="*/ 38996 h 43090"/>
+                <a:gd name="connsiteX15" fmla="*/ 5840 w 43256"/>
+                <a:gd name="connsiteY15" fmla="*/ 35202 h 43090"/>
+                <a:gd name="connsiteX16" fmla="*/ 1146 w 43256"/>
+                <a:gd name="connsiteY16" fmla="*/ 30980 h 43090"/>
+                <a:gd name="connsiteX17" fmla="*/ 2149 w 43256"/>
+                <a:gd name="connsiteY17" fmla="*/ 25281 h 43090"/>
+                <a:gd name="connsiteX18" fmla="*/ 31 w 43256"/>
+                <a:gd name="connsiteY18" fmla="*/ 19434 h 43090"/>
+                <a:gd name="connsiteX19" fmla="*/ 3899 w 43256"/>
+                <a:gd name="connsiteY19" fmla="*/ 14237 h 43090"/>
+                <a:gd name="connsiteX20" fmla="*/ 3936 w 43256"/>
+                <a:gd name="connsiteY20" fmla="*/ 14100 h 43090"/>
+                <a:gd name="connsiteX0" fmla="*/ 4729 w 43256"/>
+                <a:gd name="connsiteY0" fmla="*/ 25907 h 43090"/>
+                <a:gd name="connsiteX1" fmla="*/ 2196 w 43256"/>
+                <a:gd name="connsiteY1" fmla="*/ 25110 h 43090"/>
+                <a:gd name="connsiteX2" fmla="*/ 6964 w 43256"/>
+                <a:gd name="connsiteY2" fmla="*/ 34629 h 43090"/>
+                <a:gd name="connsiteX3" fmla="*/ 5856 w 43256"/>
+                <a:gd name="connsiteY3" fmla="*/ 35010 h 43090"/>
+                <a:gd name="connsiteX4" fmla="*/ 16514 w 43256"/>
+                <a:gd name="connsiteY4" fmla="*/ 38820 h 43090"/>
+                <a:gd name="connsiteX5" fmla="*/ 15846 w 43256"/>
+                <a:gd name="connsiteY5" fmla="*/ 37080 h 43090"/>
+                <a:gd name="connsiteX6" fmla="*/ 28863 w 43256"/>
+                <a:gd name="connsiteY6" fmla="*/ 34481 h 43090"/>
+                <a:gd name="connsiteX7" fmla="*/ 28596 w 43256"/>
+                <a:gd name="connsiteY7" fmla="*/ 36390 h 43090"/>
+                <a:gd name="connsiteX8" fmla="*/ 34165 w 43256"/>
+                <a:gd name="connsiteY8" fmla="*/ 22684 h 43090"/>
+                <a:gd name="connsiteX9" fmla="*/ 37416 w 43256"/>
+                <a:gd name="connsiteY9" fmla="*/ 29820 h 43090"/>
+                <a:gd name="connsiteX10" fmla="*/ 41834 w 43256"/>
+                <a:gd name="connsiteY10" fmla="*/ 15084 h 43090"/>
+                <a:gd name="connsiteX11" fmla="*/ 40386 w 43256"/>
+                <a:gd name="connsiteY11" fmla="*/ 17760 h 43090"/>
+                <a:gd name="connsiteX12" fmla="*/ 29114 w 43256"/>
+                <a:gd name="connsiteY12" fmla="*/ 3682 h 43090"/>
+                <a:gd name="connsiteX13" fmla="*/ 29856 w 43256"/>
+                <a:gd name="connsiteY13" fmla="*/ 2070 h 43090"/>
+                <a:gd name="connsiteX14" fmla="*/ 24952 w 43256"/>
+                <a:gd name="connsiteY14" fmla="*/ 3535 h 43090"/>
+                <a:gd name="connsiteX15" fmla="*/ 25191 w 43256"/>
+                <a:gd name="connsiteY15" fmla="*/ 7636 h 43090"/>
+                <a:gd name="connsiteX16" fmla="*/ 16691 w 43256"/>
+                <a:gd name="connsiteY16" fmla="*/ 4090 h 43090"/>
+                <a:gd name="connsiteX17" fmla="*/ 17870 w 43256"/>
+                <a:gd name="connsiteY17" fmla="*/ 5604 h 43090"/>
+                <a:gd name="connsiteX18" fmla="*/ 4163 w 43256"/>
+                <a:gd name="connsiteY18" fmla="*/ 15519 h 43090"/>
+                <a:gd name="connsiteX19" fmla="*/ 3936 w 43256"/>
+                <a:gd name="connsiteY19" fmla="*/ 14100 h 43090"/>
+                <a:gd name="connsiteX0" fmla="*/ 3936 w 43256"/>
+                <a:gd name="connsiteY0" fmla="*/ 14100 h 43090"/>
+                <a:gd name="connsiteX1" fmla="*/ 5659 w 43256"/>
+                <a:gd name="connsiteY1" fmla="*/ 6637 h 43090"/>
+                <a:gd name="connsiteX2" fmla="*/ 16213 w 43256"/>
+                <a:gd name="connsiteY2" fmla="*/ 2852 h 43090"/>
+                <a:gd name="connsiteX3" fmla="*/ 23010 w 43256"/>
+                <a:gd name="connsiteY3" fmla="*/ 13 h 43090"/>
+                <a:gd name="connsiteX4" fmla="*/ 29869 w 43256"/>
+                <a:gd name="connsiteY4" fmla="*/ 2211 h 43090"/>
+                <a:gd name="connsiteX5" fmla="*/ 38354 w 43256"/>
+                <a:gd name="connsiteY5" fmla="*/ 5306 h 43090"/>
+                <a:gd name="connsiteX6" fmla="*/ 42018 w 43256"/>
+                <a:gd name="connsiteY6" fmla="*/ 10048 h 43090"/>
+                <a:gd name="connsiteX7" fmla="*/ 41854 w 43256"/>
+                <a:gd name="connsiteY7" fmla="*/ 15190 h 43090"/>
+                <a:gd name="connsiteX8" fmla="*/ 43052 w 43256"/>
+                <a:gd name="connsiteY8" fmla="*/ 23052 h 43090"/>
+                <a:gd name="connsiteX9" fmla="*/ 37440 w 43256"/>
+                <a:gd name="connsiteY9" fmla="*/ 29934 h 43090"/>
+                <a:gd name="connsiteX10" fmla="*/ 35431 w 43256"/>
+                <a:gd name="connsiteY10" fmla="*/ 35831 h 43090"/>
+                <a:gd name="connsiteX11" fmla="*/ 28591 w 43256"/>
+                <a:gd name="connsiteY11" fmla="*/ 36545 h 43090"/>
+                <a:gd name="connsiteX12" fmla="*/ 23703 w 43256"/>
+                <a:gd name="connsiteY12" fmla="*/ 42836 h 43090"/>
+                <a:gd name="connsiteX13" fmla="*/ 16516 w 43256"/>
+                <a:gd name="connsiteY13" fmla="*/ 38996 h 43090"/>
+                <a:gd name="connsiteX14" fmla="*/ 5840 w 43256"/>
+                <a:gd name="connsiteY14" fmla="*/ 35202 h 43090"/>
+                <a:gd name="connsiteX15" fmla="*/ 1146 w 43256"/>
+                <a:gd name="connsiteY15" fmla="*/ 30980 h 43090"/>
+                <a:gd name="connsiteX16" fmla="*/ 2149 w 43256"/>
+                <a:gd name="connsiteY16" fmla="*/ 25281 h 43090"/>
+                <a:gd name="connsiteX17" fmla="*/ 31 w 43256"/>
+                <a:gd name="connsiteY17" fmla="*/ 19434 h 43090"/>
+                <a:gd name="connsiteX18" fmla="*/ 3899 w 43256"/>
+                <a:gd name="connsiteY18" fmla="*/ 14237 h 43090"/>
+                <a:gd name="connsiteX19" fmla="*/ 3936 w 43256"/>
+                <a:gd name="connsiteY19" fmla="*/ 14100 h 43090"/>
+                <a:gd name="connsiteX0" fmla="*/ 4729 w 43256"/>
+                <a:gd name="connsiteY0" fmla="*/ 25907 h 43090"/>
+                <a:gd name="connsiteX1" fmla="*/ 2196 w 43256"/>
+                <a:gd name="connsiteY1" fmla="*/ 25110 h 43090"/>
+                <a:gd name="connsiteX2" fmla="*/ 6964 w 43256"/>
+                <a:gd name="connsiteY2" fmla="*/ 34629 h 43090"/>
+                <a:gd name="connsiteX3" fmla="*/ 5856 w 43256"/>
+                <a:gd name="connsiteY3" fmla="*/ 35010 h 43090"/>
+                <a:gd name="connsiteX4" fmla="*/ 16514 w 43256"/>
+                <a:gd name="connsiteY4" fmla="*/ 38820 h 43090"/>
+                <a:gd name="connsiteX5" fmla="*/ 15846 w 43256"/>
+                <a:gd name="connsiteY5" fmla="*/ 37080 h 43090"/>
+                <a:gd name="connsiteX6" fmla="*/ 28863 w 43256"/>
+                <a:gd name="connsiteY6" fmla="*/ 34481 h 43090"/>
+                <a:gd name="connsiteX7" fmla="*/ 28596 w 43256"/>
+                <a:gd name="connsiteY7" fmla="*/ 36390 h 43090"/>
+                <a:gd name="connsiteX8" fmla="*/ 34165 w 43256"/>
+                <a:gd name="connsiteY8" fmla="*/ 22684 h 43090"/>
+                <a:gd name="connsiteX9" fmla="*/ 37416 w 43256"/>
+                <a:gd name="connsiteY9" fmla="*/ 29820 h 43090"/>
+                <a:gd name="connsiteX10" fmla="*/ 41834 w 43256"/>
+                <a:gd name="connsiteY10" fmla="*/ 15084 h 43090"/>
+                <a:gd name="connsiteX11" fmla="*/ 40386 w 43256"/>
+                <a:gd name="connsiteY11" fmla="*/ 17760 h 43090"/>
+                <a:gd name="connsiteX12" fmla="*/ 29114 w 43256"/>
+                <a:gd name="connsiteY12" fmla="*/ 3682 h 43090"/>
+                <a:gd name="connsiteX13" fmla="*/ 29856 w 43256"/>
+                <a:gd name="connsiteY13" fmla="*/ 2070 h 43090"/>
+                <a:gd name="connsiteX14" fmla="*/ 24952 w 43256"/>
+                <a:gd name="connsiteY14" fmla="*/ 3535 h 43090"/>
+                <a:gd name="connsiteX15" fmla="*/ 25191 w 43256"/>
+                <a:gd name="connsiteY15" fmla="*/ 7636 h 43090"/>
+                <a:gd name="connsiteX16" fmla="*/ 16691 w 43256"/>
+                <a:gd name="connsiteY16" fmla="*/ 4090 h 43090"/>
+                <a:gd name="connsiteX17" fmla="*/ 17870 w 43256"/>
+                <a:gd name="connsiteY17" fmla="*/ 5604 h 43090"/>
+                <a:gd name="connsiteX18" fmla="*/ 4163 w 43256"/>
+                <a:gd name="connsiteY18" fmla="*/ 15519 h 43090"/>
+                <a:gd name="connsiteX19" fmla="*/ 3936 w 43256"/>
+                <a:gd name="connsiteY19" fmla="*/ 14100 h 43090"/>
+                <a:gd name="connsiteX0" fmla="*/ 3936 w 43256"/>
+                <a:gd name="connsiteY0" fmla="*/ 14092 h 43082"/>
+                <a:gd name="connsiteX1" fmla="*/ 5659 w 43256"/>
+                <a:gd name="connsiteY1" fmla="*/ 6629 h 43082"/>
+                <a:gd name="connsiteX2" fmla="*/ 16213 w 43256"/>
+                <a:gd name="connsiteY2" fmla="*/ 2844 h 43082"/>
+                <a:gd name="connsiteX3" fmla="*/ 23010 w 43256"/>
+                <a:gd name="connsiteY3" fmla="*/ 5 h 43082"/>
+                <a:gd name="connsiteX4" fmla="*/ 29869 w 43256"/>
+                <a:gd name="connsiteY4" fmla="*/ 2203 h 43082"/>
+                <a:gd name="connsiteX5" fmla="*/ 34910 w 43256"/>
+                <a:gd name="connsiteY5" fmla="*/ 2551 h 43082"/>
+                <a:gd name="connsiteX6" fmla="*/ 38354 w 43256"/>
+                <a:gd name="connsiteY6" fmla="*/ 5298 h 43082"/>
+                <a:gd name="connsiteX7" fmla="*/ 42018 w 43256"/>
+                <a:gd name="connsiteY7" fmla="*/ 10040 h 43082"/>
+                <a:gd name="connsiteX8" fmla="*/ 41854 w 43256"/>
+                <a:gd name="connsiteY8" fmla="*/ 15182 h 43082"/>
+                <a:gd name="connsiteX9" fmla="*/ 43052 w 43256"/>
+                <a:gd name="connsiteY9" fmla="*/ 23044 h 43082"/>
+                <a:gd name="connsiteX10" fmla="*/ 37440 w 43256"/>
+                <a:gd name="connsiteY10" fmla="*/ 29926 h 43082"/>
+                <a:gd name="connsiteX11" fmla="*/ 35431 w 43256"/>
+                <a:gd name="connsiteY11" fmla="*/ 35823 h 43082"/>
+                <a:gd name="connsiteX12" fmla="*/ 28591 w 43256"/>
+                <a:gd name="connsiteY12" fmla="*/ 36537 h 43082"/>
+                <a:gd name="connsiteX13" fmla="*/ 23703 w 43256"/>
+                <a:gd name="connsiteY13" fmla="*/ 42828 h 43082"/>
+                <a:gd name="connsiteX14" fmla="*/ 16516 w 43256"/>
+                <a:gd name="connsiteY14" fmla="*/ 38988 h 43082"/>
+                <a:gd name="connsiteX15" fmla="*/ 5840 w 43256"/>
+                <a:gd name="connsiteY15" fmla="*/ 35194 h 43082"/>
+                <a:gd name="connsiteX16" fmla="*/ 1146 w 43256"/>
+                <a:gd name="connsiteY16" fmla="*/ 30972 h 43082"/>
+                <a:gd name="connsiteX17" fmla="*/ 2149 w 43256"/>
+                <a:gd name="connsiteY17" fmla="*/ 25273 h 43082"/>
+                <a:gd name="connsiteX18" fmla="*/ 31 w 43256"/>
+                <a:gd name="connsiteY18" fmla="*/ 19426 h 43082"/>
+                <a:gd name="connsiteX19" fmla="*/ 3899 w 43256"/>
+                <a:gd name="connsiteY19" fmla="*/ 14229 h 43082"/>
+                <a:gd name="connsiteX20" fmla="*/ 3936 w 43256"/>
+                <a:gd name="connsiteY20" fmla="*/ 14092 h 43082"/>
+                <a:gd name="connsiteX0" fmla="*/ 4729 w 43256"/>
+                <a:gd name="connsiteY0" fmla="*/ 25899 h 43082"/>
+                <a:gd name="connsiteX1" fmla="*/ 2196 w 43256"/>
+                <a:gd name="connsiteY1" fmla="*/ 25102 h 43082"/>
+                <a:gd name="connsiteX2" fmla="*/ 6964 w 43256"/>
+                <a:gd name="connsiteY2" fmla="*/ 34621 h 43082"/>
+                <a:gd name="connsiteX3" fmla="*/ 5856 w 43256"/>
+                <a:gd name="connsiteY3" fmla="*/ 35002 h 43082"/>
+                <a:gd name="connsiteX4" fmla="*/ 16514 w 43256"/>
+                <a:gd name="connsiteY4" fmla="*/ 38812 h 43082"/>
+                <a:gd name="connsiteX5" fmla="*/ 15846 w 43256"/>
+                <a:gd name="connsiteY5" fmla="*/ 37072 h 43082"/>
+                <a:gd name="connsiteX6" fmla="*/ 28863 w 43256"/>
+                <a:gd name="connsiteY6" fmla="*/ 34473 h 43082"/>
+                <a:gd name="connsiteX7" fmla="*/ 28596 w 43256"/>
+                <a:gd name="connsiteY7" fmla="*/ 36382 h 43082"/>
+                <a:gd name="connsiteX8" fmla="*/ 34165 w 43256"/>
+                <a:gd name="connsiteY8" fmla="*/ 22676 h 43082"/>
+                <a:gd name="connsiteX9" fmla="*/ 37416 w 43256"/>
+                <a:gd name="connsiteY9" fmla="*/ 29812 h 43082"/>
+                <a:gd name="connsiteX10" fmla="*/ 41834 w 43256"/>
+                <a:gd name="connsiteY10" fmla="*/ 15076 h 43082"/>
+                <a:gd name="connsiteX11" fmla="*/ 40386 w 43256"/>
+                <a:gd name="connsiteY11" fmla="*/ 17752 h 43082"/>
+                <a:gd name="connsiteX12" fmla="*/ 29114 w 43256"/>
+                <a:gd name="connsiteY12" fmla="*/ 3674 h 43082"/>
+                <a:gd name="connsiteX13" fmla="*/ 29856 w 43256"/>
+                <a:gd name="connsiteY13" fmla="*/ 2062 h 43082"/>
+                <a:gd name="connsiteX14" fmla="*/ 24952 w 43256"/>
+                <a:gd name="connsiteY14" fmla="*/ 3527 h 43082"/>
+                <a:gd name="connsiteX15" fmla="*/ 25191 w 43256"/>
+                <a:gd name="connsiteY15" fmla="*/ 7628 h 43082"/>
+                <a:gd name="connsiteX16" fmla="*/ 16691 w 43256"/>
+                <a:gd name="connsiteY16" fmla="*/ 4082 h 43082"/>
+                <a:gd name="connsiteX17" fmla="*/ 17870 w 43256"/>
+                <a:gd name="connsiteY17" fmla="*/ 5596 h 43082"/>
+                <a:gd name="connsiteX18" fmla="*/ 4163 w 43256"/>
+                <a:gd name="connsiteY18" fmla="*/ 15511 h 43082"/>
+                <a:gd name="connsiteX19" fmla="*/ 3936 w 43256"/>
+                <a:gd name="connsiteY19" fmla="*/ 14092 h 43082"/>
+                <a:gd name="connsiteX0" fmla="*/ 3936 w 43256"/>
+                <a:gd name="connsiteY0" fmla="*/ 14092 h 43082"/>
+                <a:gd name="connsiteX1" fmla="*/ 5659 w 43256"/>
+                <a:gd name="connsiteY1" fmla="*/ 6629 h 43082"/>
+                <a:gd name="connsiteX2" fmla="*/ 16213 w 43256"/>
+                <a:gd name="connsiteY2" fmla="*/ 2844 h 43082"/>
+                <a:gd name="connsiteX3" fmla="*/ 23010 w 43256"/>
+                <a:gd name="connsiteY3" fmla="*/ 5 h 43082"/>
+                <a:gd name="connsiteX4" fmla="*/ 29869 w 43256"/>
+                <a:gd name="connsiteY4" fmla="*/ 2203 h 43082"/>
+                <a:gd name="connsiteX5" fmla="*/ 34910 w 43256"/>
+                <a:gd name="connsiteY5" fmla="*/ 2551 h 43082"/>
+                <a:gd name="connsiteX6" fmla="*/ 38354 w 43256"/>
+                <a:gd name="connsiteY6" fmla="*/ 5298 h 43082"/>
+                <a:gd name="connsiteX7" fmla="*/ 42018 w 43256"/>
+                <a:gd name="connsiteY7" fmla="*/ 10040 h 43082"/>
+                <a:gd name="connsiteX8" fmla="*/ 41854 w 43256"/>
+                <a:gd name="connsiteY8" fmla="*/ 15182 h 43082"/>
+                <a:gd name="connsiteX9" fmla="*/ 43052 w 43256"/>
+                <a:gd name="connsiteY9" fmla="*/ 23044 h 43082"/>
+                <a:gd name="connsiteX10" fmla="*/ 37440 w 43256"/>
+                <a:gd name="connsiteY10" fmla="*/ 29926 h 43082"/>
+                <a:gd name="connsiteX11" fmla="*/ 35431 w 43256"/>
+                <a:gd name="connsiteY11" fmla="*/ 35823 h 43082"/>
+                <a:gd name="connsiteX12" fmla="*/ 28591 w 43256"/>
+                <a:gd name="connsiteY12" fmla="*/ 36537 h 43082"/>
+                <a:gd name="connsiteX13" fmla="*/ 23703 w 43256"/>
+                <a:gd name="connsiteY13" fmla="*/ 42828 h 43082"/>
+                <a:gd name="connsiteX14" fmla="*/ 16516 w 43256"/>
+                <a:gd name="connsiteY14" fmla="*/ 38988 h 43082"/>
+                <a:gd name="connsiteX15" fmla="*/ 5840 w 43256"/>
+                <a:gd name="connsiteY15" fmla="*/ 35194 h 43082"/>
+                <a:gd name="connsiteX16" fmla="*/ 1146 w 43256"/>
+                <a:gd name="connsiteY16" fmla="*/ 30972 h 43082"/>
+                <a:gd name="connsiteX17" fmla="*/ 2149 w 43256"/>
+                <a:gd name="connsiteY17" fmla="*/ 25273 h 43082"/>
+                <a:gd name="connsiteX18" fmla="*/ 31 w 43256"/>
+                <a:gd name="connsiteY18" fmla="*/ 19426 h 43082"/>
+                <a:gd name="connsiteX19" fmla="*/ 3899 w 43256"/>
+                <a:gd name="connsiteY19" fmla="*/ 14229 h 43082"/>
+                <a:gd name="connsiteX20" fmla="*/ 3936 w 43256"/>
+                <a:gd name="connsiteY20" fmla="*/ 14092 h 43082"/>
+                <a:gd name="connsiteX0" fmla="*/ 4729 w 43256"/>
+                <a:gd name="connsiteY0" fmla="*/ 25899 h 43082"/>
+                <a:gd name="connsiteX1" fmla="*/ 2196 w 43256"/>
+                <a:gd name="connsiteY1" fmla="*/ 25102 h 43082"/>
+                <a:gd name="connsiteX2" fmla="*/ 6964 w 43256"/>
+                <a:gd name="connsiteY2" fmla="*/ 34621 h 43082"/>
+                <a:gd name="connsiteX3" fmla="*/ 5856 w 43256"/>
+                <a:gd name="connsiteY3" fmla="*/ 35002 h 43082"/>
+                <a:gd name="connsiteX4" fmla="*/ 16514 w 43256"/>
+                <a:gd name="connsiteY4" fmla="*/ 38812 h 43082"/>
+                <a:gd name="connsiteX5" fmla="*/ 15846 w 43256"/>
+                <a:gd name="connsiteY5" fmla="*/ 37072 h 43082"/>
+                <a:gd name="connsiteX6" fmla="*/ 28863 w 43256"/>
+                <a:gd name="connsiteY6" fmla="*/ 34473 h 43082"/>
+                <a:gd name="connsiteX7" fmla="*/ 28596 w 43256"/>
+                <a:gd name="connsiteY7" fmla="*/ 36382 h 43082"/>
+                <a:gd name="connsiteX8" fmla="*/ 34165 w 43256"/>
+                <a:gd name="connsiteY8" fmla="*/ 22676 h 43082"/>
+                <a:gd name="connsiteX9" fmla="*/ 37416 w 43256"/>
+                <a:gd name="connsiteY9" fmla="*/ 29812 h 43082"/>
+                <a:gd name="connsiteX10" fmla="*/ 41834 w 43256"/>
+                <a:gd name="connsiteY10" fmla="*/ 15076 h 43082"/>
+                <a:gd name="connsiteX11" fmla="*/ 40386 w 43256"/>
+                <a:gd name="connsiteY11" fmla="*/ 17752 h 43082"/>
+                <a:gd name="connsiteX12" fmla="*/ 29114 w 43256"/>
+                <a:gd name="connsiteY12" fmla="*/ 3674 h 43082"/>
+                <a:gd name="connsiteX13" fmla="*/ 29856 w 43256"/>
+                <a:gd name="connsiteY13" fmla="*/ 2062 h 43082"/>
+                <a:gd name="connsiteX14" fmla="*/ 24952 w 43256"/>
+                <a:gd name="connsiteY14" fmla="*/ 3527 h 43082"/>
+                <a:gd name="connsiteX15" fmla="*/ 25191 w 43256"/>
+                <a:gd name="connsiteY15" fmla="*/ 7628 h 43082"/>
+                <a:gd name="connsiteX16" fmla="*/ 16691 w 43256"/>
+                <a:gd name="connsiteY16" fmla="*/ 4082 h 43082"/>
+                <a:gd name="connsiteX17" fmla="*/ 17870 w 43256"/>
+                <a:gd name="connsiteY17" fmla="*/ 5596 h 43082"/>
+                <a:gd name="connsiteX18" fmla="*/ 4163 w 43256"/>
+                <a:gd name="connsiteY18" fmla="*/ 15511 h 43082"/>
+                <a:gd name="connsiteX19" fmla="*/ 3936 w 43256"/>
+                <a:gd name="connsiteY19" fmla="*/ 14092 h 43082"/>
+                <a:gd name="connsiteX0" fmla="*/ 3936 w 43256"/>
+                <a:gd name="connsiteY0" fmla="*/ 14092 h 43082"/>
+                <a:gd name="connsiteX1" fmla="*/ 5659 w 43256"/>
+                <a:gd name="connsiteY1" fmla="*/ 6629 h 43082"/>
+                <a:gd name="connsiteX2" fmla="*/ 16213 w 43256"/>
+                <a:gd name="connsiteY2" fmla="*/ 2844 h 43082"/>
+                <a:gd name="connsiteX3" fmla="*/ 23010 w 43256"/>
+                <a:gd name="connsiteY3" fmla="*/ 5 h 43082"/>
+                <a:gd name="connsiteX4" fmla="*/ 29869 w 43256"/>
+                <a:gd name="connsiteY4" fmla="*/ 2203 h 43082"/>
+                <a:gd name="connsiteX5" fmla="*/ 34910 w 43256"/>
+                <a:gd name="connsiteY5" fmla="*/ 2551 h 43082"/>
+                <a:gd name="connsiteX6" fmla="*/ 38354 w 43256"/>
+                <a:gd name="connsiteY6" fmla="*/ 5298 h 43082"/>
+                <a:gd name="connsiteX7" fmla="*/ 42018 w 43256"/>
+                <a:gd name="connsiteY7" fmla="*/ 10040 h 43082"/>
+                <a:gd name="connsiteX8" fmla="*/ 41854 w 43256"/>
+                <a:gd name="connsiteY8" fmla="*/ 15182 h 43082"/>
+                <a:gd name="connsiteX9" fmla="*/ 43052 w 43256"/>
+                <a:gd name="connsiteY9" fmla="*/ 23044 h 43082"/>
+                <a:gd name="connsiteX10" fmla="*/ 37440 w 43256"/>
+                <a:gd name="connsiteY10" fmla="*/ 29926 h 43082"/>
+                <a:gd name="connsiteX11" fmla="*/ 35431 w 43256"/>
+                <a:gd name="connsiteY11" fmla="*/ 35823 h 43082"/>
+                <a:gd name="connsiteX12" fmla="*/ 28591 w 43256"/>
+                <a:gd name="connsiteY12" fmla="*/ 36537 h 43082"/>
+                <a:gd name="connsiteX13" fmla="*/ 23703 w 43256"/>
+                <a:gd name="connsiteY13" fmla="*/ 42828 h 43082"/>
+                <a:gd name="connsiteX14" fmla="*/ 16516 w 43256"/>
+                <a:gd name="connsiteY14" fmla="*/ 38988 h 43082"/>
+                <a:gd name="connsiteX15" fmla="*/ 5840 w 43256"/>
+                <a:gd name="connsiteY15" fmla="*/ 35194 h 43082"/>
+                <a:gd name="connsiteX16" fmla="*/ 1146 w 43256"/>
+                <a:gd name="connsiteY16" fmla="*/ 30972 h 43082"/>
+                <a:gd name="connsiteX17" fmla="*/ 2149 w 43256"/>
+                <a:gd name="connsiteY17" fmla="*/ 25273 h 43082"/>
+                <a:gd name="connsiteX18" fmla="*/ 31 w 43256"/>
+                <a:gd name="connsiteY18" fmla="*/ 19426 h 43082"/>
+                <a:gd name="connsiteX19" fmla="*/ 3899 w 43256"/>
+                <a:gd name="connsiteY19" fmla="*/ 14229 h 43082"/>
+                <a:gd name="connsiteX20" fmla="*/ 3936 w 43256"/>
+                <a:gd name="connsiteY20" fmla="*/ 14092 h 43082"/>
+                <a:gd name="connsiteX0" fmla="*/ 4729 w 43256"/>
+                <a:gd name="connsiteY0" fmla="*/ 25899 h 43082"/>
+                <a:gd name="connsiteX1" fmla="*/ 2196 w 43256"/>
+                <a:gd name="connsiteY1" fmla="*/ 25102 h 43082"/>
+                <a:gd name="connsiteX2" fmla="*/ 6964 w 43256"/>
+                <a:gd name="connsiteY2" fmla="*/ 34621 h 43082"/>
+                <a:gd name="connsiteX3" fmla="*/ 5856 w 43256"/>
+                <a:gd name="connsiteY3" fmla="*/ 35002 h 43082"/>
+                <a:gd name="connsiteX4" fmla="*/ 16514 w 43256"/>
+                <a:gd name="connsiteY4" fmla="*/ 38812 h 43082"/>
+                <a:gd name="connsiteX5" fmla="*/ 15846 w 43256"/>
+                <a:gd name="connsiteY5" fmla="*/ 37072 h 43082"/>
+                <a:gd name="connsiteX6" fmla="*/ 28863 w 43256"/>
+                <a:gd name="connsiteY6" fmla="*/ 34473 h 43082"/>
+                <a:gd name="connsiteX7" fmla="*/ 28596 w 43256"/>
+                <a:gd name="connsiteY7" fmla="*/ 36382 h 43082"/>
+                <a:gd name="connsiteX8" fmla="*/ 34165 w 43256"/>
+                <a:gd name="connsiteY8" fmla="*/ 22676 h 43082"/>
+                <a:gd name="connsiteX9" fmla="*/ 37416 w 43256"/>
+                <a:gd name="connsiteY9" fmla="*/ 29812 h 43082"/>
+                <a:gd name="connsiteX10" fmla="*/ 41834 w 43256"/>
+                <a:gd name="connsiteY10" fmla="*/ 15076 h 43082"/>
+                <a:gd name="connsiteX11" fmla="*/ 40386 w 43256"/>
+                <a:gd name="connsiteY11" fmla="*/ 17752 h 43082"/>
+                <a:gd name="connsiteX12" fmla="*/ 29114 w 43256"/>
+                <a:gd name="connsiteY12" fmla="*/ 3674 h 43082"/>
+                <a:gd name="connsiteX13" fmla="*/ 29856 w 43256"/>
+                <a:gd name="connsiteY13" fmla="*/ 2062 h 43082"/>
+                <a:gd name="connsiteX14" fmla="*/ 24952 w 43256"/>
+                <a:gd name="connsiteY14" fmla="*/ 3527 h 43082"/>
+                <a:gd name="connsiteX15" fmla="*/ 25191 w 43256"/>
+                <a:gd name="connsiteY15" fmla="*/ 7628 h 43082"/>
+                <a:gd name="connsiteX16" fmla="*/ 16691 w 43256"/>
+                <a:gd name="connsiteY16" fmla="*/ 4082 h 43082"/>
+                <a:gd name="connsiteX17" fmla="*/ 17870 w 43256"/>
+                <a:gd name="connsiteY17" fmla="*/ 5596 h 43082"/>
+                <a:gd name="connsiteX18" fmla="*/ 4163 w 43256"/>
+                <a:gd name="connsiteY18" fmla="*/ 15511 h 43082"/>
+                <a:gd name="connsiteX19" fmla="*/ 3936 w 43256"/>
+                <a:gd name="connsiteY19" fmla="*/ 14092 h 43082"/>
+              </a:gdLst>
+              <a:ahLst/>
+              <a:cxnLst>
+                <a:cxn ang="0">
+                  <a:pos x="connsiteX0" y="connsiteY0"/>
+                </a:cxn>
+                <a:cxn ang="0">
+                  <a:pos x="connsiteX1" y="connsiteY1"/>
+                </a:cxn>
+                <a:cxn ang="0">
+                  <a:pos x="connsiteX2" y="connsiteY2"/>
+                </a:cxn>
+                <a:cxn ang="0">
+                  <a:pos x="connsiteX3" y="connsiteY3"/>
+                </a:cxn>
+                <a:cxn ang="0">
+                  <a:pos x="connsiteX4" y="connsiteY4"/>
+                </a:cxn>
+                <a:cxn ang="0">
+                  <a:pos x="connsiteX5" y="connsiteY5"/>
+                </a:cxn>
+                <a:cxn ang="0">
+                  <a:pos x="connsiteX6" y="connsiteY6"/>
+                </a:cxn>
+                <a:cxn ang="0">
+                  <a:pos x="connsiteX7" y="connsiteY7"/>
+                </a:cxn>
+                <a:cxn ang="0">
+                  <a:pos x="connsiteX8" y="connsiteY8"/>
+                </a:cxn>
+                <a:cxn ang="0">
+                  <a:pos x="connsiteX9" y="connsiteY9"/>
+                </a:cxn>
+                <a:cxn ang="0">
+                  <a:pos x="connsiteX10" y="connsiteY10"/>
+                </a:cxn>
+                <a:cxn ang="0">
+                  <a:pos x="connsiteX11" y="connsiteY11"/>
+                </a:cxn>
+                <a:cxn ang="0">
+                  <a:pos x="connsiteX12" y="connsiteY12"/>
+                </a:cxn>
+                <a:cxn ang="0">
+                  <a:pos x="connsiteX13" y="connsiteY13"/>
+                </a:cxn>
+                <a:cxn ang="0">
+                  <a:pos x="connsiteX14" y="connsiteY14"/>
+                </a:cxn>
+                <a:cxn ang="0">
+                  <a:pos x="connsiteX15" y="connsiteY15"/>
+                </a:cxn>
+                <a:cxn ang="0">
+                  <a:pos x="connsiteX16" y="connsiteY16"/>
+                </a:cxn>
+                <a:cxn ang="0">
+                  <a:pos x="connsiteX17" y="connsiteY17"/>
+                </a:cxn>
+                <a:cxn ang="0">
+                  <a:pos x="connsiteX18" y="connsiteY18"/>
+                </a:cxn>
+                <a:cxn ang="0">
+                  <a:pos x="connsiteX19" y="connsiteY19"/>
+                </a:cxn>
+              </a:cxnLst>
+              <a:rect l="l" t="t" r="r" b="b"/>
+              <a:pathLst>
+                <a:path w="43256" h="43082">
+                  <a:moveTo>
+                    <a:pt x="3936" y="14092"/>
+                  </a:moveTo>
+                  <a:cubicBezTo>
+                    <a:pt x="3665" y="11379"/>
+                    <a:pt x="3613" y="8504"/>
+                    <a:pt x="5659" y="6629"/>
+                  </a:cubicBezTo>
+                  <a:cubicBezTo>
+                    <a:pt x="7705" y="4754"/>
+                    <a:pt x="13472" y="659"/>
+                    <a:pt x="16213" y="2844"/>
+                  </a:cubicBezTo>
+                  <a:cubicBezTo>
+                    <a:pt x="19567" y="1726"/>
+                    <a:pt x="20734" y="112"/>
+                    <a:pt x="23010" y="5"/>
+                  </a:cubicBezTo>
+                  <a:cubicBezTo>
+                    <a:pt x="25286" y="-102"/>
+                    <a:pt x="27946" y="1626"/>
+                    <a:pt x="29869" y="2203"/>
+                  </a:cubicBezTo>
+                  <a:cubicBezTo>
+                    <a:pt x="31792" y="2780"/>
+                    <a:pt x="31807" y="1369"/>
+                    <a:pt x="34910" y="2551"/>
+                  </a:cubicBezTo>
+                  <a:cubicBezTo>
+                    <a:pt x="38013" y="3649"/>
+                    <a:pt x="37109" y="4202"/>
+                    <a:pt x="38354" y="5298"/>
+                  </a:cubicBezTo>
+                  <a:cubicBezTo>
+                    <a:pt x="40082" y="5940"/>
+                    <a:pt x="41458" y="7720"/>
+                    <a:pt x="42018" y="10040"/>
+                  </a:cubicBezTo>
+                  <a:cubicBezTo>
+                    <a:pt x="42425" y="11724"/>
+                    <a:pt x="42367" y="13553"/>
+                    <a:pt x="41854" y="15182"/>
+                  </a:cubicBezTo>
+                  <a:cubicBezTo>
+                    <a:pt x="43115" y="17416"/>
+                    <a:pt x="43556" y="20312"/>
+                    <a:pt x="43052" y="23044"/>
+                  </a:cubicBezTo>
+                  <a:cubicBezTo>
+                    <a:pt x="42382" y="26676"/>
+                    <a:pt x="40164" y="29396"/>
+                    <a:pt x="37440" y="29926"/>
+                  </a:cubicBezTo>
+                  <a:cubicBezTo>
+                    <a:pt x="37427" y="32193"/>
+                    <a:pt x="36694" y="34343"/>
+                    <a:pt x="35431" y="35823"/>
+                  </a:cubicBezTo>
+                  <a:cubicBezTo>
+                    <a:pt x="33512" y="38072"/>
+                    <a:pt x="30740" y="38361"/>
+                    <a:pt x="28591" y="36537"/>
+                  </a:cubicBezTo>
+                  <a:cubicBezTo>
+                    <a:pt x="27896" y="39670"/>
+                    <a:pt x="26035" y="42065"/>
+                    <a:pt x="23703" y="42828"/>
+                  </a:cubicBezTo>
+                  <a:cubicBezTo>
+                    <a:pt x="20955" y="43727"/>
+                    <a:pt x="18087" y="42195"/>
+                    <a:pt x="16516" y="38988"/>
+                  </a:cubicBezTo>
+                  <a:cubicBezTo>
+                    <a:pt x="12808" y="42032"/>
+                    <a:pt x="7992" y="40321"/>
+                    <a:pt x="5840" y="35194"/>
+                  </a:cubicBezTo>
+                  <a:cubicBezTo>
+                    <a:pt x="3726" y="35531"/>
+                    <a:pt x="1741" y="33746"/>
+                    <a:pt x="1146" y="30972"/>
+                  </a:cubicBezTo>
+                  <a:cubicBezTo>
+                    <a:pt x="715" y="28965"/>
+                    <a:pt x="1096" y="26799"/>
+                    <a:pt x="2149" y="25273"/>
+                  </a:cubicBezTo>
+                  <a:cubicBezTo>
+                    <a:pt x="655" y="24076"/>
+                    <a:pt x="-177" y="21779"/>
+                    <a:pt x="31" y="19426"/>
+                  </a:cubicBezTo>
+                  <a:cubicBezTo>
+                    <a:pt x="275" y="16671"/>
+                    <a:pt x="1881" y="14513"/>
+                    <a:pt x="3899" y="14229"/>
+                  </a:cubicBezTo>
+                  <a:cubicBezTo>
+                    <a:pt x="3911" y="14183"/>
+                    <a:pt x="3924" y="14138"/>
+                    <a:pt x="3936" y="14092"/>
+                  </a:cubicBezTo>
+                  <a:close/>
+                </a:path>
+                <a:path w="43256" h="43082" fill="none" extrusionOk="0">
+                  <a:moveTo>
+                    <a:pt x="4729" y="25899"/>
+                  </a:moveTo>
+                  <a:cubicBezTo>
+                    <a:pt x="3845" y="25993"/>
+                    <a:pt x="2961" y="25715"/>
+                    <a:pt x="2196" y="25102"/>
+                  </a:cubicBezTo>
+                  <a:moveTo>
+                    <a:pt x="6964" y="34621"/>
+                  </a:moveTo>
+                  <a:cubicBezTo>
+                    <a:pt x="6609" y="34814"/>
+                    <a:pt x="6236" y="34942"/>
+                    <a:pt x="5856" y="35002"/>
+                  </a:cubicBezTo>
+                  <a:moveTo>
+                    <a:pt x="16514" y="38812"/>
+                  </a:moveTo>
+                  <a:cubicBezTo>
+                    <a:pt x="16247" y="38266"/>
+                    <a:pt x="16023" y="37683"/>
+                    <a:pt x="15846" y="37072"/>
+                  </a:cubicBezTo>
+                  <a:moveTo>
+                    <a:pt x="28863" y="34473"/>
+                  </a:moveTo>
+                  <a:cubicBezTo>
+                    <a:pt x="28824" y="35120"/>
+                    <a:pt x="28734" y="35760"/>
+                    <a:pt x="28596" y="36382"/>
+                  </a:cubicBezTo>
+                  <a:moveTo>
+                    <a:pt x="34165" y="22676"/>
+                  </a:moveTo>
+                  <a:cubicBezTo>
+                    <a:pt x="36169" y="24004"/>
+                    <a:pt x="37434" y="26780"/>
+                    <a:pt x="37416" y="29812"/>
+                  </a:cubicBezTo>
+                  <a:moveTo>
+                    <a:pt x="41834" y="15076"/>
+                  </a:moveTo>
+                  <a:cubicBezTo>
+                    <a:pt x="41509" y="16108"/>
+                    <a:pt x="41014" y="17024"/>
+                    <a:pt x="40386" y="17752"/>
+                  </a:cubicBezTo>
+                  <a:moveTo>
+                    <a:pt x="29114" y="3674"/>
+                  </a:moveTo>
+                  <a:cubicBezTo>
+                    <a:pt x="29303" y="3091"/>
+                    <a:pt x="29552" y="2548"/>
+                    <a:pt x="29856" y="2062"/>
+                  </a:cubicBezTo>
+                  <a:moveTo>
+                    <a:pt x="24952" y="3527"/>
+                  </a:moveTo>
+                  <a:cubicBezTo>
+                    <a:pt x="25029" y="3045"/>
+                    <a:pt x="25030" y="8069"/>
+                    <a:pt x="25191" y="7628"/>
+                  </a:cubicBezTo>
+                  <a:moveTo>
+                    <a:pt x="16691" y="4082"/>
+                  </a:moveTo>
+                  <a:cubicBezTo>
+                    <a:pt x="17163" y="4458"/>
+                    <a:pt x="17478" y="5077"/>
+                    <a:pt x="17870" y="5596"/>
+                  </a:cubicBezTo>
+                  <a:moveTo>
+                    <a:pt x="4163" y="15511"/>
+                  </a:moveTo>
+                  <a:cubicBezTo>
+                    <a:pt x="4060" y="15047"/>
+                    <a:pt x="3984" y="14573"/>
+                    <a:pt x="3936" y="14092"/>
+                  </a:cubicBezTo>
+                </a:path>
+              </a:pathLst>
+            </a:custGeom>
+            <a:grpFill/>
+            <a:ln>
+              <a:noFill/>
+            </a:ln>
+          </p:spPr>
+          <p:style>
+            <a:lnRef idx="2">
+              <a:schemeClr val="accent1">
+                <a:shade val="50000"/>
+              </a:schemeClr>
+            </a:lnRef>
+            <a:fillRef idx="1">
+              <a:schemeClr val="accent1"/>
+            </a:fillRef>
+            <a:effectRef idx="0">
+              <a:schemeClr val="accent1"/>
+            </a:effectRef>
+            <a:fontRef idx="minor">
+              <a:schemeClr val="lt1"/>
+            </a:fontRef>
+          </p:style>
+          <p:txBody>
+            <a:bodyPr rtlCol="0" anchor="ctr"/>
+            <a:lstStyle/>
+            <a:p>
+              <a:pPr algn="ctr"/>
+              <a:endParaRPr lang="en-US"/>
+            </a:p>
+          </p:txBody>
+        </p:sp>
+      </p:grpSp>
+      <p:sp>
+        <p:nvSpPr>
+          <p:cNvPr id="11" name="Rechteck 10"/>
+          <p:cNvSpPr/>
+          <p:nvPr/>
+        </p:nvSpPr>
+        <p:spPr>
+          <a:xfrm>
+            <a:off x="422762" y="572688"/>
+            <a:ext cx="217538" cy="227078"/>
+          </a:xfrm>
+          <a:prstGeom prst="rect">
+            <a:avLst/>
+          </a:prstGeom>
+          <a:noFill/>
+          <a:ln>
+            <a:noFill/>
+          </a:ln>
+        </p:spPr>
+        <p:style>
+          <a:lnRef idx="2">
+            <a:schemeClr val="accent1">
+              <a:shade val="50000"/>
+            </a:schemeClr>
+          </a:lnRef>
+          <a:fillRef idx="1">
+            <a:schemeClr val="accent1"/>
+          </a:fillRef>
+          <a:effectRef idx="0">
+            <a:schemeClr val="accent1"/>
+          </a:effectRef>
+          <a:fontRef idx="minor">
+            <a:schemeClr val="lt1"/>
+          </a:fontRef>
+        </p:style>
+        <p:txBody>
+          <a:bodyPr rtlCol="0" anchor="ctr"/>
+          <a:lstStyle/>
+          <a:p>
+            <a:pPr algn="ctr"/>
+            <a:endParaRPr lang="en-US"/>
+          </a:p>
+        </p:txBody>
+      </p:sp>
+    </p:spTree>
+    <p:extLst>
+      <p:ext uri="{BB962C8B-B14F-4D97-AF65-F5344CB8AC3E}">
+        <p14:creationId xmlns:p14="http://schemas.microsoft.com/office/powerpoint/2010/main" val="2616767478"/>
+      </p:ext>
+    </p:extLst>
+  </p:cSld>
+  <p:clrMapOvr>
+    <a:masterClrMapping/>
+  </p:clrMapOvr>
+</p:sld>
+</file>
+
 <file path=ppt/theme/theme1.xml><?xml version="1.0" encoding="utf-8"?>
 <a:theme xmlns:a="http://schemas.openxmlformats.org/drawingml/2006/main" name="Office">
   <a:themeElements>
